--- a/презентация.pptx
+++ b/презентация.pptx
@@ -860,7 +860,7 @@
           <a:p>
             <a:fld id="{95C0A743-738D-4697-954E-71DEACC2E4C2}" type="datetimeFigureOut">
               <a:rPr lang="x-none" smtClean="0"/>
-              <a:t>5/27/2025</a:t>
+              <a:t>27.05.2025</a:t>
             </a:fld>
             <a:endParaRPr lang="x-none"/>
           </a:p>
@@ -1060,7 +1060,7 @@
           <a:p>
             <a:fld id="{95C0A743-738D-4697-954E-71DEACC2E4C2}" type="datetimeFigureOut">
               <a:rPr lang="x-none" smtClean="0"/>
-              <a:t>5/27/2025</a:t>
+              <a:t>27.05.2025</a:t>
             </a:fld>
             <a:endParaRPr lang="x-none"/>
           </a:p>
@@ -1336,7 +1336,7 @@
           <a:p>
             <a:fld id="{95C0A743-738D-4697-954E-71DEACC2E4C2}" type="datetimeFigureOut">
               <a:rPr lang="x-none" smtClean="0"/>
-              <a:t>5/27/2025</a:t>
+              <a:t>27.05.2025</a:t>
             </a:fld>
             <a:endParaRPr lang="x-none"/>
           </a:p>
@@ -1604,7 +1604,7 @@
           <a:p>
             <a:fld id="{95C0A743-738D-4697-954E-71DEACC2E4C2}" type="datetimeFigureOut">
               <a:rPr lang="x-none" smtClean="0"/>
-              <a:t>5/27/2025</a:t>
+              <a:t>27.05.2025</a:t>
             </a:fld>
             <a:endParaRPr lang="x-none"/>
           </a:p>
@@ -2019,7 +2019,7 @@
           <a:p>
             <a:fld id="{95C0A743-738D-4697-954E-71DEACC2E4C2}" type="datetimeFigureOut">
               <a:rPr lang="x-none" smtClean="0"/>
-              <a:t>5/27/2025</a:t>
+              <a:t>27.05.2025</a:t>
             </a:fld>
             <a:endParaRPr lang="x-none"/>
           </a:p>
@@ -2161,7 +2161,7 @@
           <a:p>
             <a:fld id="{95C0A743-738D-4697-954E-71DEACC2E4C2}" type="datetimeFigureOut">
               <a:rPr lang="x-none" smtClean="0"/>
-              <a:t>5/27/2025</a:t>
+              <a:t>27.05.2025</a:t>
             </a:fld>
             <a:endParaRPr lang="x-none"/>
           </a:p>
@@ -2274,7 +2274,7 @@
           <a:p>
             <a:fld id="{95C0A743-738D-4697-954E-71DEACC2E4C2}" type="datetimeFigureOut">
               <a:rPr lang="x-none" smtClean="0"/>
-              <a:t>5/27/2025</a:t>
+              <a:t>27.05.2025</a:t>
             </a:fld>
             <a:endParaRPr lang="x-none"/>
           </a:p>
@@ -2587,7 +2587,7 @@
           <a:p>
             <a:fld id="{95C0A743-738D-4697-954E-71DEACC2E4C2}" type="datetimeFigureOut">
               <a:rPr lang="x-none" smtClean="0"/>
-              <a:t>5/27/2025</a:t>
+              <a:t>27.05.2025</a:t>
             </a:fld>
             <a:endParaRPr lang="x-none"/>
           </a:p>
@@ -3039,7 +3039,7 @@
           <a:p>
             <a:fld id="{95C0A743-738D-4697-954E-71DEACC2E4C2}" type="datetimeFigureOut">
               <a:rPr lang="x-none" smtClean="0"/>
-              <a:t>5/27/2025</a:t>
+              <a:t>27.05.2025</a:t>
             </a:fld>
             <a:endParaRPr lang="x-none"/>
           </a:p>
@@ -3239,7 +3239,7 @@
           <a:p>
             <a:fld id="{95C0A743-738D-4697-954E-71DEACC2E4C2}" type="datetimeFigureOut">
               <a:rPr lang="x-none" smtClean="0"/>
-              <a:t>5/27/2025</a:t>
+              <a:t>27.05.2025</a:t>
             </a:fld>
             <a:endParaRPr lang="x-none"/>
           </a:p>
@@ -3449,7 +3449,7 @@
           <a:p>
             <a:fld id="{95C0A743-738D-4697-954E-71DEACC2E4C2}" type="datetimeFigureOut">
               <a:rPr lang="x-none" smtClean="0"/>
-              <a:t>5/27/2025</a:t>
+              <a:t>27.05.2025</a:t>
             </a:fld>
             <a:endParaRPr lang="x-none"/>
           </a:p>
@@ -3671,7 +3671,7 @@
           <a:p>
             <a:fld id="{95C0A743-738D-4697-954E-71DEACC2E4C2}" type="datetimeFigureOut">
               <a:rPr lang="x-none" smtClean="0"/>
-              <a:t>5/27/2025</a:t>
+              <a:t>27.05.2025</a:t>
             </a:fld>
             <a:endParaRPr lang="x-none"/>
           </a:p>
@@ -3871,7 +3871,7 @@
           <a:p>
             <a:fld id="{95C0A743-738D-4697-954E-71DEACC2E4C2}" type="datetimeFigureOut">
               <a:rPr lang="x-none" smtClean="0"/>
-              <a:t>5/27/2025</a:t>
+              <a:t>27.05.2025</a:t>
             </a:fld>
             <a:endParaRPr lang="x-none"/>
           </a:p>
@@ -4147,7 +4147,7 @@
           <a:p>
             <a:fld id="{95C0A743-738D-4697-954E-71DEACC2E4C2}" type="datetimeFigureOut">
               <a:rPr lang="x-none" smtClean="0"/>
-              <a:t>5/27/2025</a:t>
+              <a:t>27.05.2025</a:t>
             </a:fld>
             <a:endParaRPr lang="x-none"/>
           </a:p>
@@ -4415,7 +4415,7 @@
           <a:p>
             <a:fld id="{95C0A743-738D-4697-954E-71DEACC2E4C2}" type="datetimeFigureOut">
               <a:rPr lang="x-none" smtClean="0"/>
-              <a:t>5/27/2025</a:t>
+              <a:t>27.05.2025</a:t>
             </a:fld>
             <a:endParaRPr lang="x-none"/>
           </a:p>
@@ -4830,7 +4830,7 @@
           <a:p>
             <a:fld id="{95C0A743-738D-4697-954E-71DEACC2E4C2}" type="datetimeFigureOut">
               <a:rPr lang="x-none" smtClean="0"/>
-              <a:t>5/27/2025</a:t>
+              <a:t>27.05.2025</a:t>
             </a:fld>
             <a:endParaRPr lang="x-none"/>
           </a:p>
@@ -4972,7 +4972,7 @@
           <a:p>
             <a:fld id="{95C0A743-738D-4697-954E-71DEACC2E4C2}" type="datetimeFigureOut">
               <a:rPr lang="x-none" smtClean="0"/>
-              <a:t>5/27/2025</a:t>
+              <a:t>27.05.2025</a:t>
             </a:fld>
             <a:endParaRPr lang="x-none"/>
           </a:p>
@@ -5085,7 +5085,7 @@
           <a:p>
             <a:fld id="{95C0A743-738D-4697-954E-71DEACC2E4C2}" type="datetimeFigureOut">
               <a:rPr lang="x-none" smtClean="0"/>
-              <a:t>5/27/2025</a:t>
+              <a:t>27.05.2025</a:t>
             </a:fld>
             <a:endParaRPr lang="x-none"/>
           </a:p>
@@ -5638,7 +5638,7 @@
           <a:p>
             <a:fld id="{95C0A743-738D-4697-954E-71DEACC2E4C2}" type="datetimeFigureOut">
               <a:rPr lang="x-none" smtClean="0"/>
-              <a:t>5/27/2025</a:t>
+              <a:t>27.05.2025</a:t>
             </a:fld>
             <a:endParaRPr lang="x-none"/>
           </a:p>
@@ -5927,7 +5927,7 @@
           <a:p>
             <a:fld id="{95C0A743-738D-4697-954E-71DEACC2E4C2}" type="datetimeFigureOut">
               <a:rPr lang="x-none" smtClean="0"/>
-              <a:t>5/27/2025</a:t>
+              <a:t>27.05.2025</a:t>
             </a:fld>
             <a:endParaRPr lang="x-none"/>
           </a:p>
@@ -6127,7 +6127,7 @@
           <a:p>
             <a:fld id="{95C0A743-738D-4697-954E-71DEACC2E4C2}" type="datetimeFigureOut">
               <a:rPr lang="x-none" smtClean="0"/>
-              <a:t>5/27/2025</a:t>
+              <a:t>27.05.2025</a:t>
             </a:fld>
             <a:endParaRPr lang="x-none"/>
           </a:p>
@@ -6337,7 +6337,7 @@
           <a:p>
             <a:fld id="{95C0A743-738D-4697-954E-71DEACC2E4C2}" type="datetimeFigureOut">
               <a:rPr lang="x-none" smtClean="0"/>
-              <a:t>5/27/2025</a:t>
+              <a:t>27.05.2025</a:t>
             </a:fld>
             <a:endParaRPr lang="x-none"/>
           </a:p>
@@ -6566,7 +6566,7 @@
                 </a:solidFill>
               </a:rPr>
               <a:pPr/>
-              <a:t>5/27/2025</a:t>
+              <a:t>27.05.2025</a:t>
             </a:fld>
             <a:endParaRPr lang="x-none">
               <a:solidFill>
@@ -6798,7 +6798,7 @@
                 </a:solidFill>
               </a:rPr>
               <a:pPr/>
-              <a:t>5/27/2025</a:t>
+              <a:t>27.05.2025</a:t>
             </a:fld>
             <a:endParaRPr lang="x-none">
               <a:solidFill>
@@ -7106,7 +7106,7 @@
                 </a:solidFill>
               </a:rPr>
               <a:pPr/>
-              <a:t>5/27/2025</a:t>
+              <a:t>27.05.2025</a:t>
             </a:fld>
             <a:endParaRPr lang="x-none">
               <a:solidFill>
@@ -7406,7 +7406,7 @@
                 </a:solidFill>
               </a:rPr>
               <a:pPr/>
-              <a:t>5/27/2025</a:t>
+              <a:t>27.05.2025</a:t>
             </a:fld>
             <a:endParaRPr lang="x-none">
               <a:solidFill>
@@ -7853,7 +7853,7 @@
                 </a:solidFill>
               </a:rPr>
               <a:pPr/>
-              <a:t>5/27/2025</a:t>
+              <a:t>27.05.2025</a:t>
             </a:fld>
             <a:endParaRPr lang="x-none">
               <a:solidFill>
@@ -8027,7 +8027,7 @@
                 </a:solidFill>
               </a:rPr>
               <a:pPr/>
-              <a:t>5/27/2025</a:t>
+              <a:t>27.05.2025</a:t>
             </a:fld>
             <a:endParaRPr lang="x-none">
               <a:solidFill>
@@ -8452,7 +8452,7 @@
                 </a:solidFill>
               </a:rPr>
               <a:pPr/>
-              <a:t>5/27/2025</a:t>
+              <a:t>27.05.2025</a:t>
             </a:fld>
             <a:endParaRPr lang="x-none">
               <a:solidFill>
@@ -8797,7 +8797,7 @@
                 </a:solidFill>
               </a:rPr>
               <a:pPr/>
-              <a:t>5/27/2025</a:t>
+              <a:t>27.05.2025</a:t>
             </a:fld>
             <a:endParaRPr lang="x-none">
               <a:solidFill>
@@ -9118,7 +9118,7 @@
                 </a:solidFill>
               </a:rPr>
               <a:pPr/>
-              <a:t>5/27/2025</a:t>
+              <a:t>27.05.2025</a:t>
             </a:fld>
             <a:endParaRPr lang="x-none">
               <a:solidFill>
@@ -9350,7 +9350,7 @@
                 </a:solidFill>
               </a:rPr>
               <a:pPr/>
-              <a:t>5/27/2025</a:t>
+              <a:t>27.05.2025</a:t>
             </a:fld>
             <a:endParaRPr lang="x-none">
               <a:solidFill>
@@ -9592,7 +9592,7 @@
                 </a:solidFill>
               </a:rPr>
               <a:pPr/>
-              <a:t>5/27/2025</a:t>
+              <a:t>27.05.2025</a:t>
             </a:fld>
             <a:endParaRPr lang="x-none">
               <a:solidFill>
@@ -11496,7 +11496,7 @@
           <a:p>
             <a:fld id="{95C0A743-738D-4697-954E-71DEACC2E4C2}" type="datetimeFigureOut">
               <a:rPr lang="x-none" smtClean="0"/>
-              <a:t>5/27/2025</a:t>
+              <a:t>27.05.2025</a:t>
             </a:fld>
             <a:endParaRPr lang="x-none"/>
           </a:p>
@@ -12066,7 +12066,7 @@
           <a:p>
             <a:fld id="{95C0A743-738D-4697-954E-71DEACC2E4C2}" type="datetimeFigureOut">
               <a:rPr lang="x-none" smtClean="0"/>
-              <a:t>5/27/2025</a:t>
+              <a:t>27.05.2025</a:t>
             </a:fld>
             <a:endParaRPr lang="x-none"/>
           </a:p>
@@ -12643,7 +12643,7 @@
                 </a:solidFill>
               </a:rPr>
               <a:pPr/>
-              <a:t>5/27/2025</a:t>
+              <a:t>27.05.2025</a:t>
             </a:fld>
             <a:endParaRPr lang="x-none">
               <a:solidFill>
@@ -13366,14 +13366,11 @@
           <a:p>
             <a:pPr algn="ctr"/>
             <a:r>
-              <a:rPr lang="ru-RU" sz="2800" i="1" dirty="0" smtClean="0">
+              <a:rPr lang="ru-RU" sz="2800" i="1" dirty="0">
                 <a:latin typeface="ISOCPEUR" panose="020B0604020202020204" pitchFamily="34" charset="0"/>
               </a:rPr>
               <a:t>Результаты эргономической оценки</a:t>
             </a:r>
-            <a:endParaRPr lang="ru-RU" sz="2800" i="1" dirty="0">
-              <a:latin typeface="ISOCPEUR" panose="020B0604020202020204" pitchFamily="34" charset="0"/>
-            </a:endParaRPr>
           </a:p>
         </p:txBody>
       </p:sp>
@@ -13496,7 +13493,7 @@
           <a:p>
             <a:pPr defTabSz="685800"/>
             <a:r>
-              <a:rPr lang="ru-RU" sz="2700" i="1" dirty="0" smtClean="0">
+              <a:rPr lang="ru-RU" sz="2700" i="1" dirty="0">
                 <a:solidFill>
                   <a:prstClr val="black"/>
                 </a:solidFill>
@@ -13504,15 +13501,39 @@
               </a:rPr>
               <a:t>9</a:t>
             </a:r>
-            <a:endParaRPr lang="ru-RU" sz="2700" i="1" dirty="0">
-              <a:solidFill>
-                <a:prstClr val="black"/>
-              </a:solidFill>
-              <a:latin typeface="ISOCPEUR" pitchFamily="34" charset="0"/>
-            </a:endParaRPr>
-          </a:p>
-        </p:txBody>
-      </p:sp>
+          </a:p>
+        </p:txBody>
+      </p:sp>
+      <p:pic>
+        <p:nvPicPr>
+          <p:cNvPr id="3" name="Рисунок 2">
+            <a:extLst>
+              <a:ext uri="{FF2B5EF4-FFF2-40B4-BE49-F238E27FC236}">
+                <a16:creationId xmlns:a16="http://schemas.microsoft.com/office/drawing/2014/main" id="{2477FB84-44EC-44B8-B90C-7E60A4AE2F30}"/>
+              </a:ext>
+            </a:extLst>
+          </p:cNvPr>
+          <p:cNvPicPr>
+            <a:picLocks noChangeAspect="1"/>
+          </p:cNvPicPr>
+          <p:nvPr/>
+        </p:nvPicPr>
+        <p:blipFill>
+          <a:blip r:embed="rId2"/>
+          <a:stretch>
+            <a:fillRect/>
+          </a:stretch>
+        </p:blipFill>
+        <p:spPr>
+          <a:xfrm>
+            <a:off x="0" y="715581"/>
+            <a:ext cx="9144000" cy="5426837"/>
+          </a:xfrm>
+          <a:prstGeom prst="rect">
+            <a:avLst/>
+          </a:prstGeom>
+        </p:spPr>
+      </p:pic>
     </p:spTree>
     <p:extLst>
       <p:ext uri="{BB962C8B-B14F-4D97-AF65-F5344CB8AC3E}">
@@ -13573,7 +13594,7 @@
           <a:p>
             <a:pPr algn="ctr"/>
             <a:r>
-              <a:rPr lang="ru-RU" i="1" dirty="0" smtClean="0">
+              <a:rPr lang="ru-RU" i="1" dirty="0">
                 <a:latin typeface="ISOCPEUR" panose="020B0604020202020204" pitchFamily="34" charset="0"/>
               </a:rPr>
               <a:t>Результаты тестирования программного комплекса</a:t>
@@ -13709,23 +13730,8 @@
                 </a:solidFill>
                 <a:latin typeface="ISOCPEUR" pitchFamily="34" charset="0"/>
               </a:rPr>
-              <a:t>1</a:t>
-            </a:r>
-            <a:r>
-              <a:rPr lang="ru-RU" sz="2700" i="1" dirty="0" smtClean="0">
-                <a:solidFill>
-                  <a:prstClr val="black"/>
-                </a:solidFill>
-                <a:latin typeface="ISOCPEUR" pitchFamily="34" charset="0"/>
-              </a:rPr>
-              <a:t>0</a:t>
-            </a:r>
-            <a:endParaRPr lang="ru-RU" sz="2700" i="1" dirty="0">
-              <a:solidFill>
-                <a:prstClr val="black"/>
-              </a:solidFill>
-              <a:latin typeface="ISOCPEUR" pitchFamily="34" charset="0"/>
-            </a:endParaRPr>
+              <a:t>10</a:t>
+            </a:r>
           </a:p>
         </p:txBody>
       </p:sp>
@@ -13780,7 +13786,7 @@
           <a:lstStyle/>
           <a:p>
             <a:r>
-              <a:rPr lang="ru-RU" sz="3600" i="1" dirty="0" smtClean="0">
+              <a:rPr lang="ru-RU" sz="3600" i="1" dirty="0">
                 <a:solidFill>
                   <a:schemeClr val="tx1"/>
                 </a:solidFill>
@@ -13788,12 +13794,6 @@
               </a:rPr>
               <a:t>11</a:t>
             </a:r>
-            <a:endParaRPr lang="ru-RU" sz="3600" i="1" dirty="0">
-              <a:solidFill>
-                <a:schemeClr val="tx1"/>
-              </a:solidFill>
-              <a:latin typeface="ISOCPEUR" pitchFamily="34" charset="0"/>
-            </a:endParaRPr>
           </a:p>
         </p:txBody>
       </p:sp>
@@ -13820,7 +13820,7 @@
           <a:p>
             <a:pPr algn="ctr"/>
             <a:r>
-              <a:rPr lang="ru-RU" sz="2400" i="1" dirty="0" smtClean="0">
+              <a:rPr lang="ru-RU" sz="2400" i="1" dirty="0">
                 <a:latin typeface="ISOCPEUR" panose="020B0604020202020204" pitchFamily="34" charset="0"/>
               </a:rPr>
               <a:t>Эскизы рабочих окон программы</a:t>
@@ -13889,7 +13889,16 @@
                 </a:solidFill>
                 <a:latin typeface="ISOCPEUR" pitchFamily="34" charset="0"/>
               </a:rPr>
-              <a:t>Результаты дипломного проекта</a:t>
+              <a:t>Результаты </a:t>
+            </a:r>
+            <a:r>
+              <a:rPr lang="ru-RU" sz="2800">
+                <a:solidFill>
+                  <a:prstClr val="black"/>
+                </a:solidFill>
+                <a:latin typeface="ISOCPEUR" pitchFamily="34" charset="0"/>
+              </a:rPr>
+              <a:t>дипломного проекта</a:t>
             </a:r>
             <a:br>
               <a:rPr lang="ru-RU" sz="2800" dirty="0">
@@ -13899,24 +13908,6 @@
                 <a:latin typeface="ISOCPEUR" pitchFamily="34" charset="0"/>
               </a:rPr>
             </a:br>
-            <a:r>
-              <a:rPr lang="ru-RU" sz="2400" dirty="0">
-                <a:solidFill>
-                  <a:prstClr val="black"/>
-                </a:solidFill>
-                <a:latin typeface="ISOCPEUR" pitchFamily="34" charset="0"/>
-              </a:rPr>
-              <a:t>(в соответствии с задачами, сформулированными в листе-задании)</a:t>
-            </a:r>
-            <a:r>
-              <a:rPr lang="ru-RU" sz="2800" dirty="0">
-                <a:solidFill>
-                  <a:prstClr val="black"/>
-                </a:solidFill>
-                <a:latin typeface="ISOCPEUR" pitchFamily="34" charset="0"/>
-              </a:rPr>
-              <a:t/>
-            </a:r>
             <a:br>
               <a:rPr lang="ru-RU" sz="2800" dirty="0">
                 <a:solidFill>
@@ -13932,51 +13923,19 @@
                 </a:solidFill>
                 <a:latin typeface="ISOCPEUR" pitchFamily="34" charset="0"/>
               </a:rPr>
-              <a:t/>
-            </a:r>
-            <a:br>
-              <a:rPr lang="ru-RU" sz="2800" dirty="0">
-                <a:solidFill>
-                  <a:prstClr val="black"/>
-                </a:solidFill>
-                <a:latin typeface="ISOCPEUR" pitchFamily="34" charset="0"/>
-              </a:rPr>
-            </a:br>
-            <a:r>
-              <a:rPr lang="ru-RU" sz="2800" dirty="0">
-                <a:solidFill>
-                  <a:prstClr val="black"/>
-                </a:solidFill>
-                <a:latin typeface="ISOCPEUR" pitchFamily="34" charset="0"/>
-              </a:rPr>
               <a:t>1. </a:t>
-            </a:r>
-            <a:r>
-              <a:rPr lang="ru-RU" sz="2800" dirty="0" smtClean="0">
-                <a:latin typeface="ISOCPEUR" panose="020B0604020202020204" pitchFamily="34" charset="0"/>
-              </a:rPr>
-              <a:t>Проведено эргономическое проектирование </a:t>
             </a:r>
             <a:r>
               <a:rPr lang="ru-RU" sz="2800" dirty="0">
                 <a:latin typeface="ISOCPEUR" panose="020B0604020202020204" pitchFamily="34" charset="0"/>
               </a:rPr>
-              <a:t>программного комплекса на основании эргономических требований</a:t>
+              <a:t>Проведено эргономическое проектирование программного комплекса на основании эргономических требований</a:t>
             </a:r>
             <a:br>
               <a:rPr lang="ru-RU" sz="2800" dirty="0">
                 <a:latin typeface="ISOCPEUR" panose="020B0604020202020204" pitchFamily="34" charset="0"/>
               </a:rPr>
             </a:br>
-            <a:r>
-              <a:rPr lang="ru-RU" sz="2800" dirty="0">
-                <a:solidFill>
-                  <a:prstClr val="black"/>
-                </a:solidFill>
-                <a:latin typeface="ISOCPEUR" pitchFamily="34" charset="0"/>
-              </a:rPr>
-              <a:t/>
-            </a:r>
             <a:br>
               <a:rPr lang="ru-RU" sz="2800" dirty="0">
                 <a:solidFill>
@@ -13999,28 +13958,10 @@
               <a:t> </a:t>
             </a:r>
             <a:r>
-              <a:rPr lang="ru-RU" sz="2800" dirty="0" smtClean="0">
-                <a:latin typeface="ISOCPEUR" panose="020B0604020202020204" pitchFamily="34" charset="0"/>
-              </a:rPr>
-              <a:t>Спроектирован </a:t>
-            </a:r>
-            <a:r>
               <a:rPr lang="ru-RU" sz="2800" dirty="0">
                 <a:latin typeface="ISOCPEUR" panose="020B0604020202020204" pitchFamily="34" charset="0"/>
               </a:rPr>
-              <a:t>и </a:t>
-            </a:r>
-            <a:r>
-              <a:rPr lang="ru-RU" sz="2800" dirty="0" smtClean="0">
-                <a:latin typeface="ISOCPEUR" panose="020B0604020202020204" pitchFamily="34" charset="0"/>
-              </a:rPr>
-              <a:t>реализован программный комплекс </a:t>
-            </a:r>
-            <a:r>
-              <a:rPr lang="ru-RU" sz="2800" dirty="0">
-                <a:latin typeface="ISOCPEUR" panose="020B0604020202020204" pitchFamily="34" charset="0"/>
-              </a:rPr>
-              <a:t>с использованием </a:t>
+              <a:t>Спроектирован и реализован программный комплекс с использованием </a:t>
             </a:r>
             <a:r>
               <a:rPr lang="en-US" sz="2800" dirty="0">
@@ -14051,27 +13992,12 @@
                 <a:latin typeface="ISOCPEUR" panose="020B0604020202020204" pitchFamily="34" charset="0"/>
               </a:rPr>
               <a:t>Visual Studio Code</a:t>
-            </a:r>
-            <a:r>
-              <a:rPr lang="ru-RU" sz="2800" dirty="0">
-                <a:latin typeface="ISOCPEUR" panose="020B0604020202020204" pitchFamily="34" charset="0"/>
-              </a:rPr>
-              <a:t/>
             </a:r>
             <a:br>
               <a:rPr lang="ru-RU" sz="2800" dirty="0">
                 <a:latin typeface="ISOCPEUR" panose="020B0604020202020204" pitchFamily="34" charset="0"/>
               </a:rPr>
             </a:br>
-            <a:r>
-              <a:rPr lang="ru-RU" sz="2800" dirty="0">
-                <a:solidFill>
-                  <a:prstClr val="black"/>
-                </a:solidFill>
-                <a:latin typeface="ISOCPEUR" pitchFamily="34" charset="0"/>
-              </a:rPr>
-              <a:t/>
-            </a:r>
             <a:br>
               <a:rPr lang="ru-RU" sz="2800" dirty="0">
                 <a:solidFill>
@@ -14130,7 +14056,7 @@
           <a:lstStyle/>
           <a:p>
             <a:r>
-              <a:rPr lang="ru-RU" sz="3600" i="1" dirty="0" smtClean="0">
+              <a:rPr lang="ru-RU" sz="3600" i="1" dirty="0">
                 <a:solidFill>
                   <a:schemeClr val="tx1"/>
                 </a:solidFill>
@@ -14138,12 +14064,6 @@
               </a:rPr>
               <a:t>12</a:t>
             </a:r>
-            <a:endParaRPr lang="ru-RU" sz="3600" i="1" dirty="0">
-              <a:solidFill>
-                <a:schemeClr val="tx1"/>
-              </a:solidFill>
-              <a:latin typeface="ISOCPEUR" pitchFamily="34" charset="0"/>
-            </a:endParaRPr>
           </a:p>
         </p:txBody>
       </p:sp>
@@ -14201,76 +14121,22 @@
           <a:p>
             <a:pPr algn="l"/>
             <a:r>
-              <a:rPr lang="ru-RU" sz="2000" i="1" dirty="0" smtClean="0">
+              <a:rPr lang="ru-RU" sz="2000" i="1" dirty="0">
                 <a:solidFill>
                   <a:prstClr val="black"/>
                 </a:solidFill>
                 <a:latin typeface="ISOCPEUR" pitchFamily="34" charset="0"/>
               </a:rPr>
-              <a:t>Программный </a:t>
-            </a:r>
-            <a:r>
+              <a:t>Программный комплекс для отслеживания и визуализации действий пользователей в играбельной рекламе / Мишота В.Г. / Материалы 61-ой научно-технической конференции студентов, магистрантов, аспирантов УО Белорусский государственный университет информатики и радиоэлектроники Минск, БГУИР, 2025. С. 533-535</a:t>
+            </a:r>
+            <a:br>
               <a:rPr lang="ru-RU" sz="2000" i="1" dirty="0">
-                <a:solidFill>
-                  <a:prstClr val="black"/>
-                </a:solidFill>
-                <a:latin typeface="ISOCPEUR" pitchFamily="34" charset="0"/>
-              </a:rPr>
-              <a:t>комплекс для отслеживания и визуализации действий пользователей в играбельной рекламе / </a:t>
-            </a:r>
-            <a:r>
-              <a:rPr lang="ru-RU" sz="2000" i="1" dirty="0" smtClean="0">
-                <a:solidFill>
-                  <a:prstClr val="black"/>
-                </a:solidFill>
-                <a:latin typeface="ISOCPEUR" pitchFamily="34" charset="0"/>
-              </a:rPr>
-              <a:t>Мишота В.Г. </a:t>
-            </a:r>
-            <a:r>
-              <a:rPr lang="ru-RU" sz="2000" i="1" dirty="0">
-                <a:solidFill>
-                  <a:prstClr val="black"/>
-                </a:solidFill>
-                <a:latin typeface="ISOCPEUR" pitchFamily="34" charset="0"/>
-              </a:rPr>
-              <a:t>/ Материалы 61-ой научно-технической конференции студентов, магистрантов, аспирантов УО Белорусский государственный университет информатики и радиоэлектроники Минск, БГУИР, 2025. С</a:t>
-            </a:r>
-            <a:r>
-              <a:rPr lang="ru-RU" sz="2000" i="1" dirty="0" smtClean="0">
-                <a:solidFill>
-                  <a:prstClr val="black"/>
-                </a:solidFill>
-                <a:latin typeface="ISOCPEUR" pitchFamily="34" charset="0"/>
-              </a:rPr>
-              <a:t>. </a:t>
-            </a:r>
-            <a:r>
-              <a:rPr lang="ru-RU" sz="2000" i="1" dirty="0" smtClean="0">
-                <a:solidFill>
-                  <a:prstClr val="black"/>
-                </a:solidFill>
-                <a:latin typeface="ISOCPEUR" pitchFamily="34" charset="0"/>
-              </a:rPr>
-              <a:t>533-535</a:t>
-            </a:r>
-            <a:br>
-              <a:rPr lang="ru-RU" sz="2000" i="1" dirty="0" smtClean="0">
                 <a:solidFill>
                   <a:prstClr val="black"/>
                 </a:solidFill>
                 <a:latin typeface="ISOCPEUR" pitchFamily="34" charset="0"/>
               </a:rPr>
             </a:br>
-            <a:r>
-              <a:rPr lang="ru-RU" sz="2000" i="1" dirty="0">
-                <a:solidFill>
-                  <a:prstClr val="black"/>
-                </a:solidFill>
-                <a:latin typeface="ISOCPEUR" pitchFamily="34" charset="0"/>
-              </a:rPr>
-              <a:t/>
-            </a:r>
             <a:br>
               <a:rPr lang="ru-RU" sz="2000" i="1" dirty="0">
                 <a:solidFill>
@@ -14280,7 +14146,7 @@
               </a:rPr>
             </a:br>
             <a:r>
-              <a:rPr lang="ru-RU" sz="2000" i="1" dirty="0" smtClean="0">
+              <a:rPr lang="ru-RU" sz="2000" i="1" dirty="0">
                 <a:solidFill>
                   <a:prstClr val="black"/>
                 </a:solidFill>
@@ -14289,7 +14155,7 @@
               <a:t>Мониторинг приложений, разработанных</a:t>
             </a:r>
             <a:br>
-              <a:rPr lang="ru-RU" sz="2000" i="1" dirty="0" smtClean="0">
+              <a:rPr lang="ru-RU" sz="2000" i="1" dirty="0">
                 <a:solidFill>
                   <a:prstClr val="black"/>
                 </a:solidFill>
@@ -14297,7 +14163,7 @@
               </a:rPr>
             </a:br>
             <a:r>
-              <a:rPr lang="ru-RU" sz="2000" i="1" dirty="0" smtClean="0">
+              <a:rPr lang="ru-RU" sz="2000" i="1" dirty="0">
                 <a:solidFill>
                   <a:prstClr val="black"/>
                 </a:solidFill>
@@ -14306,7 +14172,7 @@
               <a:t>с использованием </a:t>
             </a:r>
             <a:r>
-              <a:rPr lang="ru-RU" sz="2000" i="1" dirty="0" err="1" smtClean="0">
+              <a:rPr lang="ru-RU" sz="2000" i="1" dirty="0" err="1">
                 <a:solidFill>
                   <a:prstClr val="black"/>
                 </a:solidFill>
@@ -14315,7 +14181,7 @@
               <a:t>микросервисной</a:t>
             </a:r>
             <a:r>
-              <a:rPr lang="ru-RU" sz="2000" i="1" dirty="0" smtClean="0">
+              <a:rPr lang="ru-RU" sz="2000" i="1" dirty="0">
                 <a:solidFill>
                   <a:prstClr val="black"/>
                 </a:solidFill>
@@ -14339,88 +14205,16 @@
                 </a:solidFill>
                 <a:latin typeface="ISOCPEUR" pitchFamily="34" charset="0"/>
               </a:rPr>
-              <a:t> В.Г</a:t>
-            </a:r>
-            <a:r>
-              <a:rPr lang="ru-RU" sz="2000" i="1" dirty="0" smtClean="0">
-                <a:solidFill>
-                  <a:prstClr val="black"/>
-                </a:solidFill>
-                <a:latin typeface="ISOCPEUR" pitchFamily="34" charset="0"/>
-              </a:rPr>
-              <a:t>., </a:t>
-            </a:r>
-            <a:r>
+              <a:t> В.Г., Жук Н.Е. / Материалы 59-ой научно-технической конференции студентов, магистрантов, аспирантов УО Белорусский государственный университет информатики и радиоэлектроники Минск, БГУИР, 2023. С. 594-596</a:t>
+            </a:r>
+            <a:br>
               <a:rPr lang="ru-RU" sz="2000" i="1" dirty="0">
-                <a:solidFill>
-                  <a:prstClr val="black"/>
-                </a:solidFill>
-                <a:latin typeface="ISOCPEUR" pitchFamily="34" charset="0"/>
-              </a:rPr>
-              <a:t>Жук Н.Е. / Материалы </a:t>
-            </a:r>
-            <a:r>
-              <a:rPr lang="ru-RU" sz="2000" i="1" dirty="0" smtClean="0">
-                <a:solidFill>
-                  <a:prstClr val="black"/>
-                </a:solidFill>
-                <a:latin typeface="ISOCPEUR" pitchFamily="34" charset="0"/>
-              </a:rPr>
-              <a:t>59-ой </a:t>
-            </a:r>
-            <a:r>
-              <a:rPr lang="ru-RU" sz="2000" i="1" dirty="0">
-                <a:solidFill>
-                  <a:prstClr val="black"/>
-                </a:solidFill>
-                <a:latin typeface="ISOCPEUR" pitchFamily="34" charset="0"/>
-              </a:rPr>
-              <a:t>научно-технической конференции студентов, магистрантов, аспирантов УО Белорусский государственный университет информатики и радиоэлектроники Минск, БГУИР, </a:t>
-            </a:r>
-            <a:r>
-              <a:rPr lang="ru-RU" sz="2000" i="1" dirty="0" smtClean="0">
-                <a:solidFill>
-                  <a:prstClr val="black"/>
-                </a:solidFill>
-                <a:latin typeface="ISOCPEUR" pitchFamily="34" charset="0"/>
-              </a:rPr>
-              <a:t>2023. </a:t>
-            </a:r>
-            <a:r>
-              <a:rPr lang="ru-RU" sz="2000" i="1" dirty="0">
-                <a:solidFill>
-                  <a:prstClr val="black"/>
-                </a:solidFill>
-                <a:latin typeface="ISOCPEUR" pitchFamily="34" charset="0"/>
-              </a:rPr>
-              <a:t>С. </a:t>
-            </a:r>
-            <a:r>
-              <a:rPr lang="ru-RU" sz="2000" i="1" dirty="0" smtClean="0">
-                <a:solidFill>
-                  <a:prstClr val="black"/>
-                </a:solidFill>
-                <a:latin typeface="ISOCPEUR" pitchFamily="34" charset="0"/>
-              </a:rPr>
-              <a:t>594-596</a:t>
-            </a:r>
-            <a:br>
-              <a:rPr lang="ru-RU" sz="2000" i="1" dirty="0" smtClean="0">
                 <a:solidFill>
                   <a:prstClr val="black"/>
                 </a:solidFill>
                 <a:latin typeface="ISOCPEUR" pitchFamily="34" charset="0"/>
               </a:rPr>
             </a:br>
-            <a:r>
-              <a:rPr lang="ru-RU" sz="2000" i="1" dirty="0">
-                <a:solidFill>
-                  <a:prstClr val="black"/>
-                </a:solidFill>
-                <a:latin typeface="ISOCPEUR" pitchFamily="34" charset="0"/>
-              </a:rPr>
-              <a:t/>
-            </a:r>
             <a:br>
               <a:rPr lang="ru-RU" sz="2000" i="1" dirty="0">
                 <a:solidFill>
@@ -14436,19 +14230,10 @@
                 </a:solidFill>
                 <a:latin typeface="ISOCPEUR" pitchFamily="34" charset="0"/>
               </a:rPr>
-              <a:t>Б</a:t>
-            </a:r>
-            <a:r>
-              <a:rPr lang="ru-RU" sz="2000" i="1" dirty="0" smtClean="0">
-                <a:solidFill>
-                  <a:prstClr val="black"/>
-                </a:solidFill>
-                <a:latin typeface="ISOCPEUR" pitchFamily="34" charset="0"/>
-              </a:rPr>
-              <a:t>азовая математическая модель и алгоритмы для выявления необходимости устройств </a:t>
-            </a:r>
-            <a:r>
-              <a:rPr lang="ru-RU" sz="2000" i="1" dirty="0" err="1" smtClean="0">
+              <a:t>Базовая математическая модель и алгоритмы для выявления необходимости устройств </a:t>
+            </a:r>
+            <a:r>
+              <a:rPr lang="ru-RU" sz="2000" i="1" dirty="0" err="1">
                 <a:solidFill>
                   <a:prstClr val="black"/>
                 </a:solidFill>
@@ -14457,7 +14242,7 @@
               <a:t>молниезащиты</a:t>
             </a:r>
             <a:r>
-              <a:rPr lang="ru-RU" sz="2000" i="1" dirty="0" smtClean="0">
+              <a:rPr lang="ru-RU" sz="2000" i="1" dirty="0">
                 <a:solidFill>
                   <a:prstClr val="black"/>
                 </a:solidFill>
@@ -14466,7 +14251,7 @@
               <a:t> зданий и сооружений / </a:t>
             </a:r>
             <a:r>
-              <a:rPr lang="ru-RU" sz="2000" i="1" dirty="0" err="1" smtClean="0">
+              <a:rPr lang="ru-RU" sz="2000" i="1" dirty="0" err="1">
                 <a:solidFill>
                   <a:prstClr val="black"/>
                 </a:solidFill>
@@ -14475,67 +14260,13 @@
               <a:t>Мишота</a:t>
             </a:r>
             <a:r>
-              <a:rPr lang="ru-RU" sz="2000" i="1" dirty="0" smtClean="0">
+              <a:rPr lang="ru-RU" sz="2000" i="1" dirty="0">
                 <a:solidFill>
                   <a:prstClr val="black"/>
                 </a:solidFill>
                 <a:latin typeface="ISOCPEUR" pitchFamily="34" charset="0"/>
               </a:rPr>
-              <a:t> </a:t>
-            </a:r>
-            <a:r>
-              <a:rPr lang="ru-RU" sz="2000" i="1" dirty="0">
-                <a:solidFill>
-                  <a:prstClr val="black"/>
-                </a:solidFill>
-                <a:latin typeface="ISOCPEUR" pitchFamily="34" charset="0"/>
-              </a:rPr>
-              <a:t>В.Г</a:t>
-            </a:r>
-            <a:r>
-              <a:rPr lang="ru-RU" sz="2000" i="1" dirty="0" smtClean="0">
-                <a:solidFill>
-                  <a:prstClr val="black"/>
-                </a:solidFill>
-                <a:latin typeface="ISOCPEUR" pitchFamily="34" charset="0"/>
-              </a:rPr>
-              <a:t>., </a:t>
-            </a:r>
-            <a:r>
-              <a:rPr lang="ru-RU" sz="2000" i="1" dirty="0">
-                <a:solidFill>
-                  <a:prstClr val="black"/>
-                </a:solidFill>
-                <a:latin typeface="ISOCPEUR" pitchFamily="34" charset="0"/>
-              </a:rPr>
-              <a:t>Кондратюк М.М</a:t>
-            </a:r>
-            <a:r>
-              <a:rPr lang="ru-RU" sz="2000" i="1" dirty="0" smtClean="0">
-                <a:solidFill>
-                  <a:prstClr val="black"/>
-                </a:solidFill>
-                <a:latin typeface="ISOCPEUR" pitchFamily="34" charset="0"/>
-              </a:rPr>
-              <a:t>. / </a:t>
-            </a:r>
-            <a:r>
-              <a:rPr lang="ru-RU" sz="2000" i="1" dirty="0">
-                <a:solidFill>
-                  <a:prstClr val="black"/>
-                </a:solidFill>
-                <a:latin typeface="ISOCPEUR" pitchFamily="34" charset="0"/>
-              </a:rPr>
-              <a:t>Материалы 59-ой научно-технической конференции студентов, магистрантов, аспирантов УО Белорусский государственный университет информатики и радиоэлектроники Минск, БГУИР, 2023. С. </a:t>
-            </a:r>
-            <a:r>
-              <a:rPr lang="ru-RU" sz="2000" i="1" dirty="0" smtClean="0">
-                <a:solidFill>
-                  <a:prstClr val="black"/>
-                </a:solidFill>
-                <a:latin typeface="ISOCPEUR" pitchFamily="34" charset="0"/>
-              </a:rPr>
-              <a:t>779-781</a:t>
+              <a:t> В.Г., Кондратюк М.М. / Материалы 59-ой научно-технической конференции студентов, магистрантов, аспирантов УО Белорусский государственный университет информатики и радиоэлектроники Минск, БГУИР, 2023. С. 779-781</a:t>
             </a:r>
             <a:endParaRPr lang="ru-RU" sz="1200" i="1" dirty="0">
               <a:latin typeface="ISOCPEUR" pitchFamily="34" charset="0"/>
@@ -14661,7 +14392,7 @@
           </a:lstStyle>
           <a:p>
             <a:r>
-              <a:rPr lang="ru-RU" sz="3600" i="1" dirty="0" smtClean="0">
+              <a:rPr lang="ru-RU" sz="3600" i="1" dirty="0">
                 <a:solidFill>
                   <a:prstClr val="black"/>
                 </a:solidFill>
@@ -14669,12 +14400,6 @@
               </a:rPr>
               <a:t>13</a:t>
             </a:r>
-            <a:endParaRPr lang="ru-RU" sz="3600" i="1" dirty="0">
-              <a:solidFill>
-                <a:prstClr val="black"/>
-              </a:solidFill>
-              <a:latin typeface="ISOCPEUR" pitchFamily="34" charset="0"/>
-            </a:endParaRPr>
           </a:p>
         </p:txBody>
       </p:sp>
@@ -14837,15 +14562,6 @@
                 <a:latin typeface="ISOCPEUR" pitchFamily="34" charset="0"/>
               </a:rPr>
             </a:br>
-            <a:r>
-              <a:rPr lang="ru-RU" sz="2800" i="1" dirty="0">
-                <a:solidFill>
-                  <a:prstClr val="black"/>
-                </a:solidFill>
-                <a:latin typeface="ISOCPEUR" pitchFamily="34" charset="0"/>
-              </a:rPr>
-              <a:t/>
-            </a:r>
             <a:br>
               <a:rPr lang="ru-RU" sz="2800" i="1" dirty="0">
                 <a:solidFill>
@@ -14881,15 +14597,6 @@
               </a:rPr>
               <a:t>справки о внедрении)</a:t>
             </a:r>
-            <a:r>
-              <a:rPr lang="ru-RU" sz="2100" i="1" dirty="0">
-                <a:solidFill>
-                  <a:prstClr val="black"/>
-                </a:solidFill>
-                <a:latin typeface="ISOCPEUR" pitchFamily="34" charset="0"/>
-              </a:rPr>
-              <a:t/>
-            </a:r>
             <a:br>
               <a:rPr lang="ru-RU" sz="2100" i="1" dirty="0">
                 <a:solidFill>
@@ -14898,15 +14605,6 @@
                 <a:latin typeface="ISOCPEUR" pitchFamily="34" charset="0"/>
               </a:rPr>
             </a:br>
-            <a:r>
-              <a:rPr lang="ru-RU" sz="1575" i="1" dirty="0">
-                <a:solidFill>
-                  <a:prstClr val="black"/>
-                </a:solidFill>
-                <a:latin typeface="ISOCPEUR" pitchFamily="34" charset="0"/>
-              </a:rPr>
-              <a:t/>
-            </a:r>
             <a:br>
               <a:rPr lang="ru-RU" sz="1575" i="1" dirty="0">
                 <a:solidFill>
@@ -14915,15 +14613,6 @@
                 <a:latin typeface="ISOCPEUR" pitchFamily="34" charset="0"/>
               </a:rPr>
             </a:br>
-            <a:r>
-              <a:rPr lang="ru-RU" sz="1575" i="1" dirty="0">
-                <a:solidFill>
-                  <a:prstClr val="black"/>
-                </a:solidFill>
-                <a:latin typeface="ISOCPEUR" pitchFamily="34" charset="0"/>
-              </a:rPr>
-              <a:t/>
-            </a:r>
             <a:br>
               <a:rPr lang="ru-RU" sz="1575" i="1" dirty="0">
                 <a:solidFill>
@@ -15025,25 +14714,7 @@
                 </a:solidFill>
                 <a:latin typeface="ISOCPEUR" pitchFamily="34" charset="0"/>
               </a:rPr>
-              <a:t> рекламой, обеспечивающий эргономичный интерфейс и наглядное представление информации для оптимизации рекламных кампаний</a:t>
-            </a:r>
-            <a:r>
-              <a:rPr lang="ru-RU" sz="2800" dirty="0" smtClean="0">
-                <a:solidFill>
-                  <a:prstClr val="black"/>
-                </a:solidFill>
-                <a:latin typeface="ISOCPEUR" pitchFamily="34" charset="0"/>
-              </a:rPr>
-              <a:t>.</a:t>
-            </a:r>
-            <a:r>
-              <a:rPr lang="ru-RU" sz="2800" dirty="0">
-                <a:solidFill>
-                  <a:prstClr val="black"/>
-                </a:solidFill>
-                <a:latin typeface="ISOCPEUR" pitchFamily="34" charset="0"/>
-              </a:rPr>
-              <a:t/>
+              <a:t> рекламой, обеспечивающий эргономичный интерфейс и наглядное представление информации для оптимизации рекламных кампаний.</a:t>
             </a:r>
             <a:br>
               <a:rPr lang="ru-RU" sz="2800" dirty="0">
@@ -15053,15 +14724,6 @@
                 <a:latin typeface="ISOCPEUR" pitchFamily="34" charset="0"/>
               </a:rPr>
             </a:br>
-            <a:r>
-              <a:rPr lang="en-US" sz="2800" dirty="0">
-                <a:solidFill>
-                  <a:prstClr val="black"/>
-                </a:solidFill>
-                <a:latin typeface="ISOCPEUR" pitchFamily="34" charset="0"/>
-              </a:rPr>
-              <a:t/>
-            </a:r>
             <a:br>
               <a:rPr lang="en-US" sz="2800" dirty="0">
                 <a:solidFill>
@@ -15077,19 +14739,10 @@
                 </a:solidFill>
                 <a:latin typeface="ISOCPEUR" pitchFamily="34" charset="0"/>
               </a:rPr>
-              <a:t>Назначение </a:t>
-            </a:r>
-            <a:r>
-              <a:rPr lang="ru-RU" sz="2800" b="1" dirty="0" smtClean="0">
-                <a:solidFill>
-                  <a:prstClr val="black"/>
-                </a:solidFill>
-                <a:latin typeface="ISOCPEUR" pitchFamily="34" charset="0"/>
-              </a:rPr>
-              <a:t>разработки</a:t>
-            </a:r>
-            <a:r>
-              <a:rPr lang="en-US" sz="2800" dirty="0" smtClean="0">
+              <a:t>Назначение разработки</a:t>
+            </a:r>
+            <a:r>
+              <a:rPr lang="en-US" sz="2800" dirty="0">
                 <a:solidFill>
                   <a:prstClr val="black"/>
                 </a:solidFill>
@@ -15098,7 +14751,7 @@
               <a:t> </a:t>
             </a:r>
             <a:r>
-              <a:rPr lang="ru-RU" sz="2800" dirty="0" smtClean="0">
+              <a:rPr lang="ru-RU" sz="2800" dirty="0">
                 <a:solidFill>
                   <a:prstClr val="black"/>
                 </a:solidFill>
@@ -15107,7 +14760,7 @@
               <a:t>: сбор, хранение, агрегация, визуализация данных о действиях пользователей в </a:t>
             </a:r>
             <a:r>
-              <a:rPr lang="ru-RU" sz="2800" dirty="0" err="1" smtClean="0">
+              <a:rPr lang="ru-RU" sz="2800" dirty="0" err="1">
                 <a:solidFill>
                   <a:prstClr val="black"/>
                 </a:solidFill>
@@ -15116,7 +14769,7 @@
               <a:t>играбельной</a:t>
             </a:r>
             <a:r>
-              <a:rPr lang="ru-RU" sz="2800" dirty="0" smtClean="0">
+              <a:rPr lang="ru-RU" sz="2800" dirty="0">
                 <a:solidFill>
                   <a:prstClr val="black"/>
                 </a:solidFill>
@@ -15281,7 +14934,7 @@
           </a:lstStyle>
           <a:p>
             <a:r>
-              <a:rPr lang="en-US" sz="2400" i="1" dirty="0" smtClean="0">
+              <a:rPr lang="en-US" sz="2400" i="1" dirty="0">
                 <a:solidFill>
                   <a:prstClr val="black"/>
                 </a:solidFill>
@@ -15351,15 +15004,6 @@
           <a:lstStyle/>
           <a:p>
             <a:pPr algn="l"/>
-            <a:r>
-              <a:rPr lang="en-US" sz="2800" dirty="0">
-                <a:solidFill>
-                  <a:prstClr val="black"/>
-                </a:solidFill>
-                <a:latin typeface="ISOCPEUR" pitchFamily="34" charset="0"/>
-              </a:rPr>
-              <a:t/>
-            </a:r>
             <a:br>
               <a:rPr lang="en-US" sz="2800" dirty="0">
                 <a:solidFill>
@@ -15368,15 +15012,6 @@
                 <a:latin typeface="ISOCPEUR" pitchFamily="34" charset="0"/>
               </a:rPr>
             </a:br>
-            <a:r>
-              <a:rPr lang="en-US" sz="2800" dirty="0">
-                <a:solidFill>
-                  <a:prstClr val="black"/>
-                </a:solidFill>
-                <a:latin typeface="ISOCPEUR" pitchFamily="34" charset="0"/>
-              </a:rPr>
-              <a:t/>
-            </a:r>
             <a:br>
               <a:rPr lang="en-US" sz="2800" dirty="0">
                 <a:solidFill>
@@ -15385,15 +15020,6 @@
                 <a:latin typeface="ISOCPEUR" pitchFamily="34" charset="0"/>
               </a:rPr>
             </a:br>
-            <a:r>
-              <a:rPr lang="en-US" sz="2800" dirty="0">
-                <a:solidFill>
-                  <a:prstClr val="black"/>
-                </a:solidFill>
-                <a:latin typeface="ISOCPEUR" pitchFamily="34" charset="0"/>
-              </a:rPr>
-              <a:t/>
-            </a:r>
             <a:br>
               <a:rPr lang="en-US" sz="2800" dirty="0">
                 <a:solidFill>
@@ -15402,15 +15028,6 @@
                 <a:latin typeface="ISOCPEUR" pitchFamily="34" charset="0"/>
               </a:rPr>
             </a:br>
-            <a:r>
-              <a:rPr lang="en-US" sz="2800" dirty="0">
-                <a:solidFill>
-                  <a:prstClr val="black"/>
-                </a:solidFill>
-                <a:latin typeface="ISOCPEUR" pitchFamily="34" charset="0"/>
-              </a:rPr>
-              <a:t/>
-            </a:r>
             <a:br>
               <a:rPr lang="en-US" sz="2800" dirty="0">
                 <a:solidFill>
@@ -15419,15 +15036,6 @@
                 <a:latin typeface="ISOCPEUR" pitchFamily="34" charset="0"/>
               </a:rPr>
             </a:br>
-            <a:r>
-              <a:rPr lang="en-US" sz="2800" dirty="0">
-                <a:solidFill>
-                  <a:prstClr val="black"/>
-                </a:solidFill>
-                <a:latin typeface="ISOCPEUR" pitchFamily="34" charset="0"/>
-              </a:rPr>
-              <a:t/>
-            </a:r>
             <a:br>
               <a:rPr lang="en-US" sz="2800" dirty="0">
                 <a:solidFill>
@@ -15436,15 +15044,6 @@
                 <a:latin typeface="ISOCPEUR" pitchFamily="34" charset="0"/>
               </a:rPr>
             </a:br>
-            <a:r>
-              <a:rPr lang="ru-RU" sz="2000" u="sng" dirty="0">
-                <a:solidFill>
-                  <a:prstClr val="black"/>
-                </a:solidFill>
-                <a:latin typeface="ISOCPEUR" pitchFamily="34" charset="0"/>
-              </a:rPr>
-              <a:t/>
-            </a:r>
             <a:br>
               <a:rPr lang="ru-RU" sz="2000" u="sng" dirty="0">
                 <a:solidFill>
@@ -15453,15 +15052,6 @@
                 <a:latin typeface="ISOCPEUR" pitchFamily="34" charset="0"/>
               </a:rPr>
             </a:br>
-            <a:r>
-              <a:rPr lang="ru-RU" sz="2800" dirty="0">
-                <a:solidFill>
-                  <a:prstClr val="black"/>
-                </a:solidFill>
-                <a:latin typeface="ISOCPEUR" pitchFamily="34" charset="0"/>
-              </a:rPr>
-              <a:t/>
-            </a:r>
             <a:br>
               <a:rPr lang="ru-RU" sz="2800" dirty="0">
                 <a:solidFill>
@@ -15479,15 +15069,6 @@
               </a:rPr>
               <a:t>Поставленные задачи на дипломное проектирование:</a:t>
             </a:r>
-            <a:r>
-              <a:rPr lang="ru-RU" sz="2800" dirty="0">
-                <a:solidFill>
-                  <a:prstClr val="black"/>
-                </a:solidFill>
-                <a:latin typeface="ISOCPEUR" pitchFamily="34" charset="0"/>
-              </a:rPr>
-              <a:t/>
-            </a:r>
             <a:br>
               <a:rPr lang="ru-RU" sz="2800" dirty="0">
                 <a:solidFill>
@@ -15506,31 +15087,16 @@
               <a:t>1. </a:t>
             </a:r>
             <a:r>
-              <a:rPr lang="ru-RU" sz="2800" dirty="0" smtClean="0">
+              <a:rPr lang="ru-RU" sz="2800" dirty="0">
                 <a:latin typeface="ISOCPEUR" panose="020B0604020202020204" pitchFamily="34" charset="0"/>
               </a:rPr>
               <a:t>Проведение эргономического проектирования программного комплекса на основании эргономических требований</a:t>
-            </a:r>
-            <a:r>
-              <a:rPr lang="ru-RU" sz="2800" dirty="0">
-                <a:latin typeface="ISOCPEUR" panose="020B0604020202020204" pitchFamily="34" charset="0"/>
-              </a:rPr>
-              <a:t/>
             </a:r>
             <a:br>
               <a:rPr lang="ru-RU" sz="2800" dirty="0">
                 <a:latin typeface="ISOCPEUR" panose="020B0604020202020204" pitchFamily="34" charset="0"/>
               </a:rPr>
             </a:br>
-            <a:r>
-              <a:rPr lang="ru-RU" sz="2800" dirty="0">
-                <a:solidFill>
-                  <a:prstClr val="black"/>
-                </a:solidFill>
-                <a:latin typeface="ISOCPEUR" pitchFamily="34" charset="0"/>
-              </a:rPr>
-              <a:t/>
-            </a:r>
             <a:br>
               <a:rPr lang="ru-RU" sz="2800" dirty="0">
                 <a:solidFill>
@@ -15553,13 +15119,13 @@
               <a:t> </a:t>
             </a:r>
             <a:r>
-              <a:rPr lang="ru-RU" sz="2800" dirty="0" smtClean="0">
+              <a:rPr lang="ru-RU" sz="2800" dirty="0">
                 <a:latin typeface="ISOCPEUR" panose="020B0604020202020204" pitchFamily="34" charset="0"/>
               </a:rPr>
               <a:t>Проектирование и реализация программного комплекса с использованием </a:t>
             </a:r>
             <a:r>
-              <a:rPr lang="en-US" sz="2800" dirty="0" smtClean="0">
+              <a:rPr lang="en-US" sz="2800" dirty="0">
                 <a:latin typeface="ISOCPEUR" panose="020B0604020202020204" pitchFamily="34" charset="0"/>
               </a:rPr>
               <a:t>JavaScript, Node.js, MySQL</a:t>
@@ -15568,52 +15134,31 @@
               <a:rPr lang="ru-RU" sz="2800" dirty="0">
                 <a:latin typeface="ISOCPEUR" panose="020B0604020202020204" pitchFamily="34" charset="0"/>
               </a:rPr>
-              <a:t> </a:t>
-            </a:r>
-            <a:r>
-              <a:rPr lang="ru-RU" sz="2800" dirty="0" smtClean="0">
-                <a:latin typeface="ISOCPEUR" panose="020B0604020202020204" pitchFamily="34" charset="0"/>
-              </a:rPr>
-              <a:t>под операционную систему </a:t>
-            </a:r>
-            <a:r>
-              <a:rPr lang="en-US" sz="2800" dirty="0" smtClean="0">
+              <a:t> под операционную систему </a:t>
+            </a:r>
+            <a:r>
+              <a:rPr lang="en-US" sz="2800" dirty="0">
                 <a:latin typeface="ISOCPEUR" panose="020B0604020202020204" pitchFamily="34" charset="0"/>
               </a:rPr>
               <a:t>Linux </a:t>
             </a:r>
             <a:r>
-              <a:rPr lang="ru-RU" sz="2800" dirty="0" smtClean="0">
+              <a:rPr lang="ru-RU" sz="2800" dirty="0">
                 <a:latin typeface="ISOCPEUR" panose="020B0604020202020204" pitchFamily="34" charset="0"/>
               </a:rPr>
               <a:t>в среде разработки </a:t>
             </a:r>
             <a:r>
-              <a:rPr lang="en-US" sz="2800" dirty="0" smtClean="0">
+              <a:rPr lang="en-US" sz="2800" dirty="0">
                 <a:latin typeface="ISOCPEUR" panose="020B0604020202020204" pitchFamily="34" charset="0"/>
               </a:rPr>
               <a:t>Visual Studio Code</a:t>
-            </a:r>
-            <a:r>
-              <a:rPr lang="ru-RU" sz="2800" dirty="0">
-                <a:latin typeface="ISOCPEUR" panose="020B0604020202020204" pitchFamily="34" charset="0"/>
-              </a:rPr>
-              <a:t/>
             </a:r>
             <a:br>
               <a:rPr lang="ru-RU" sz="2800" dirty="0">
                 <a:latin typeface="ISOCPEUR" panose="020B0604020202020204" pitchFamily="34" charset="0"/>
               </a:rPr>
             </a:br>
-            <a:r>
-              <a:rPr lang="ru-RU" sz="2800" dirty="0">
-                <a:solidFill>
-                  <a:prstClr val="black"/>
-                </a:solidFill>
-                <a:latin typeface="ISOCPEUR" pitchFamily="34" charset="0"/>
-              </a:rPr>
-              <a:t/>
-            </a:r>
             <a:br>
               <a:rPr lang="ru-RU" sz="2800" dirty="0">
                 <a:solidFill>
@@ -15640,16 +15185,10 @@
               <a:t>Ф</a:t>
             </a:r>
             <a:r>
-              <a:rPr lang="ru-RU" sz="2800" dirty="0" smtClean="0">
-                <a:latin typeface="ISOCPEUR" panose="020B0604020202020204" pitchFamily="34" charset="0"/>
-              </a:rPr>
-              <a:t>ункциональное </a:t>
-            </a:r>
-            <a:r>
               <a:rPr lang="ru-RU" sz="2800" dirty="0">
                 <a:latin typeface="ISOCPEUR" panose="020B0604020202020204" pitchFamily="34" charset="0"/>
               </a:rPr>
-              <a:t>и </a:t>
+              <a:t>ункциональное и </a:t>
             </a:r>
             <a:r>
               <a:rPr lang="ru-RU" sz="2800" dirty="0" err="1">
@@ -15661,30 +15200,11 @@
               <a:rPr lang="ru-RU" sz="2800" dirty="0">
                 <a:latin typeface="ISOCPEUR" panose="020B0604020202020204" pitchFamily="34" charset="0"/>
               </a:rPr>
-              <a:t>-тестирование </a:t>
-            </a:r>
-            <a:r>
-              <a:rPr lang="ru-RU" sz="2800" dirty="0" smtClean="0">
-                <a:latin typeface="ISOCPEUR" panose="020B0604020202020204" pitchFamily="34" charset="0"/>
-              </a:rPr>
-              <a:t>программного комплекса.</a:t>
-            </a:r>
-            <a:r>
-              <a:rPr lang="ru-RU" sz="2800" dirty="0"/>
-              <a:t/>
+              <a:t>-тестирование программного комплекса.</a:t>
             </a:r>
             <a:br>
               <a:rPr lang="ru-RU" sz="2800" dirty="0"/>
             </a:br>
-            <a:r>
-              <a:rPr lang="en-US" sz="2800" dirty="0">
-                <a:solidFill>
-                  <a:prstClr val="black"/>
-                </a:solidFill>
-                <a:latin typeface="ISOCPEUR" pitchFamily="34" charset="0"/>
-              </a:rPr>
-              <a:t/>
-            </a:r>
             <a:br>
               <a:rPr lang="en-US" sz="2800" dirty="0">
                 <a:solidFill>
@@ -15693,12 +15213,6 @@
                 <a:latin typeface="ISOCPEUR" pitchFamily="34" charset="0"/>
               </a:rPr>
             </a:br>
-            <a:r>
-              <a:rPr lang="ru-RU" sz="2000" dirty="0">
-                <a:latin typeface="ISOCPEUR" panose="020B0604020202020204" pitchFamily="34" charset="0"/>
-              </a:rPr>
-              <a:t/>
-            </a:r>
             <a:br>
               <a:rPr lang="ru-RU" sz="2000" dirty="0">
                 <a:latin typeface="ISOCPEUR" panose="020B0604020202020204" pitchFamily="34" charset="0"/>
@@ -15891,12 +15405,6 @@
           </a:bodyPr>
           <a:lstStyle/>
           <a:p>
-            <a:r>
-              <a:rPr lang="ru-RU" sz="2800" i="1" dirty="0">
-                <a:latin typeface="ISOCPEUR" pitchFamily="34" charset="0"/>
-              </a:rPr>
-              <a:t/>
-            </a:r>
             <a:br>
               <a:rPr lang="ru-RU" sz="2800" i="1" dirty="0">
                 <a:latin typeface="ISOCPEUR" pitchFamily="34" charset="0"/>
@@ -15908,14 +15416,8 @@
               </a:rPr>
               <a:t>Информационные технологии для разработки программного средства </a:t>
             </a:r>
-            <a:r>
-              <a:rPr lang="ru-RU" sz="2800" i="1" dirty="0" smtClean="0">
-                <a:latin typeface="ISOCPEUR" pitchFamily="34" charset="0"/>
-              </a:rPr>
-              <a:t/>
-            </a:r>
             <a:br>
-              <a:rPr lang="ru-RU" sz="2800" i="1" dirty="0" smtClean="0">
+              <a:rPr lang="ru-RU" sz="2800" i="1" dirty="0">
                 <a:latin typeface="ISOCPEUR" pitchFamily="34" charset="0"/>
               </a:rPr>
             </a:br>
@@ -16046,7 +15548,7 @@
           </a:lstStyle>
           <a:p>
             <a:r>
-              <a:rPr lang="en-US" sz="2400" i="1" dirty="0" smtClean="0">
+              <a:rPr lang="en-US" sz="2400" i="1" dirty="0">
                 <a:solidFill>
                   <a:prstClr val="black"/>
                 </a:solidFill>
@@ -16180,7 +15682,7 @@
           </a:lstStyle>
           <a:p>
             <a:r>
-              <a:rPr lang="en-US" sz="2800" dirty="0" smtClean="0">
+              <a:rPr lang="en-US" sz="2800" dirty="0">
                 <a:latin typeface="ISOCPEUR" panose="020B0604020202020204" pitchFamily="34" charset="0"/>
                 <a:cs typeface="Times New Roman" panose="02020603050405020304" pitchFamily="18" charset="0"/>
               </a:rPr>
@@ -16310,7 +15812,7 @@
           </a:lstStyle>
           <a:p>
             <a:r>
-              <a:rPr lang="en-US" sz="2800" dirty="0" smtClean="0">
+              <a:rPr lang="en-US" sz="2800" dirty="0">
                 <a:latin typeface="ISOCPEUR" panose="020B0604020202020204" pitchFamily="34" charset="0"/>
                 <a:cs typeface="Times New Roman" panose="02020603050405020304" pitchFamily="18" charset="0"/>
               </a:rPr>
@@ -16522,7 +16024,7 @@
           </a:lstStyle>
           <a:p>
             <a:r>
-              <a:rPr lang="en-US" sz="2800" dirty="0" smtClean="0">
+              <a:rPr lang="en-US" sz="2800" dirty="0">
                 <a:latin typeface="ISOCPEUR" panose="020B0604020202020204" pitchFamily="34" charset="0"/>
                 <a:cs typeface="Times New Roman" panose="02020603050405020304" pitchFamily="18" charset="0"/>
               </a:rPr>
@@ -16734,7 +16236,7 @@
           </a:lstStyle>
           <a:p>
             <a:r>
-              <a:rPr lang="en-US" sz="2800" dirty="0" smtClean="0">
+              <a:rPr lang="en-US" sz="2800" dirty="0">
                 <a:latin typeface="ISOCPEUR" panose="020B0604020202020204" pitchFamily="34" charset="0"/>
                 <a:cs typeface="Times New Roman" panose="02020603050405020304" pitchFamily="18" charset="0"/>
               </a:rPr>
@@ -16905,7 +16407,7 @@
           </a:lstStyle>
           <a:p>
             <a:r>
-              <a:rPr lang="en-US" sz="2800" dirty="0" smtClean="0">
+              <a:rPr lang="en-US" sz="2800" dirty="0">
                 <a:latin typeface="ISOCPEUR" panose="020B0604020202020204" pitchFamily="34" charset="0"/>
                 <a:cs typeface="Times New Roman" panose="02020603050405020304" pitchFamily="18" charset="0"/>
               </a:rPr>
@@ -17008,11 +16510,7 @@
             </a:r>
             <a:r>
               <a:rPr lang="ru-RU" sz="3600" dirty="0"/>
-              <a:t> разработанного программного </a:t>
-            </a:r>
-            <a:r>
-              <a:rPr lang="ru-RU" sz="3600" dirty="0" smtClean="0"/>
-              <a:t>средства</a:t>
+              <a:t> разработанного программного средства</a:t>
             </a:r>
             <a:endParaRPr lang="ru-RU" sz="2800" dirty="0">
               <a:solidFill>
@@ -17140,7 +16638,7 @@
           </a:lstStyle>
           <a:p>
             <a:r>
-              <a:rPr lang="ru-RU" sz="2400" i="1" dirty="0" smtClean="0">
+              <a:rPr lang="ru-RU" sz="2400" i="1" dirty="0">
                 <a:solidFill>
                   <a:prstClr val="black"/>
                 </a:solidFill>
@@ -17148,12 +16646,6 @@
               </a:rPr>
               <a:t>4</a:t>
             </a:r>
-            <a:endParaRPr lang="ru-RU" sz="2400" i="1" dirty="0">
-              <a:solidFill>
-                <a:prstClr val="black"/>
-              </a:solidFill>
-              <a:latin typeface="ISOCPEUR" pitchFamily="34" charset="0"/>
-            </a:endParaRPr>
           </a:p>
         </p:txBody>
       </p:sp>
@@ -17217,7 +16709,7 @@
           <a:p>
             <a:pPr algn="ctr"/>
             <a:r>
-              <a:rPr lang="ru-RU" sz="2800" i="1" dirty="0" smtClean="0">
+              <a:rPr lang="ru-RU" sz="2800" i="1" dirty="0">
                 <a:latin typeface="ISOCPEUR" panose="020B0604020202020204" pitchFamily="34" charset="0"/>
               </a:rPr>
               <a:t>Схема структурная</a:t>
@@ -17350,7 +16842,7 @@
           <a:p>
             <a:pPr defTabSz="685800"/>
             <a:r>
-              <a:rPr lang="ru-RU" sz="2700" i="1" dirty="0" smtClean="0">
+              <a:rPr lang="ru-RU" sz="2700" i="1" dirty="0">
                 <a:solidFill>
                   <a:prstClr val="black"/>
                 </a:solidFill>
@@ -17358,15 +16850,39 @@
               </a:rPr>
               <a:t>5</a:t>
             </a:r>
-            <a:endParaRPr lang="ru-RU" sz="2700" i="1" dirty="0">
-              <a:solidFill>
-                <a:prstClr val="black"/>
-              </a:solidFill>
-              <a:latin typeface="ISOCPEUR" pitchFamily="34" charset="0"/>
-            </a:endParaRPr>
-          </a:p>
-        </p:txBody>
-      </p:sp>
+          </a:p>
+        </p:txBody>
+      </p:sp>
+      <p:pic>
+        <p:nvPicPr>
+          <p:cNvPr id="2" name="Рисунок 1">
+            <a:extLst>
+              <a:ext uri="{FF2B5EF4-FFF2-40B4-BE49-F238E27FC236}">
+                <a16:creationId xmlns:a16="http://schemas.microsoft.com/office/drawing/2014/main" id="{A38D1A9A-89EF-4430-A0E4-6C1CA545B75C}"/>
+              </a:ext>
+            </a:extLst>
+          </p:cNvPr>
+          <p:cNvPicPr>
+            <a:picLocks noChangeAspect="1"/>
+          </p:cNvPicPr>
+          <p:nvPr/>
+        </p:nvPicPr>
+        <p:blipFill>
+          <a:blip r:embed="rId2"/>
+          <a:stretch>
+            <a:fillRect/>
+          </a:stretch>
+        </p:blipFill>
+        <p:spPr>
+          <a:xfrm>
+            <a:off x="282352" y="2249087"/>
+            <a:ext cx="8579296" cy="2359826"/>
+          </a:xfrm>
+          <a:prstGeom prst="rect">
+            <a:avLst/>
+          </a:prstGeom>
+        </p:spPr>
+      </p:pic>
     </p:spTree>
     <p:extLst>
       <p:ext uri="{BB962C8B-B14F-4D97-AF65-F5344CB8AC3E}">
@@ -17427,7 +16943,7 @@
           <a:p>
             <a:pPr algn="ctr"/>
             <a:r>
-              <a:rPr lang="ru-RU" sz="2800" i="1" dirty="0" smtClean="0">
+              <a:rPr lang="ru-RU" sz="2800" i="1" dirty="0">
                 <a:latin typeface="ISOCPEUR" panose="020B0604020202020204" pitchFamily="34" charset="0"/>
               </a:rPr>
               <a:t>Структура базы данных</a:t>
@@ -17560,7 +17076,7 @@
           <a:p>
             <a:pPr defTabSz="685800"/>
             <a:r>
-              <a:rPr lang="ru-RU" sz="2700" i="1" dirty="0" smtClean="0">
+              <a:rPr lang="ru-RU" sz="2700" i="1" dirty="0">
                 <a:solidFill>
                   <a:prstClr val="black"/>
                 </a:solidFill>
@@ -17568,15 +17084,39 @@
               </a:rPr>
               <a:t>6</a:t>
             </a:r>
-            <a:endParaRPr lang="ru-RU" sz="2700" i="1" dirty="0">
-              <a:solidFill>
-                <a:prstClr val="black"/>
-              </a:solidFill>
-              <a:latin typeface="ISOCPEUR" pitchFamily="34" charset="0"/>
-            </a:endParaRPr>
-          </a:p>
-        </p:txBody>
-      </p:sp>
+          </a:p>
+        </p:txBody>
+      </p:sp>
+      <p:pic>
+        <p:nvPicPr>
+          <p:cNvPr id="2" name="Рисунок 1">
+            <a:extLst>
+              <a:ext uri="{FF2B5EF4-FFF2-40B4-BE49-F238E27FC236}">
+                <a16:creationId xmlns:a16="http://schemas.microsoft.com/office/drawing/2014/main" id="{F21FD716-7B84-4BF5-8F12-5DC751F30A7A}"/>
+              </a:ext>
+            </a:extLst>
+          </p:cNvPr>
+          <p:cNvPicPr>
+            <a:picLocks noChangeAspect="1"/>
+          </p:cNvPicPr>
+          <p:nvPr/>
+        </p:nvPicPr>
+        <p:blipFill>
+          <a:blip r:embed="rId2"/>
+          <a:stretch>
+            <a:fillRect/>
+          </a:stretch>
+        </p:blipFill>
+        <p:spPr>
+          <a:xfrm>
+            <a:off x="1043607" y="697782"/>
+            <a:ext cx="7056786" cy="5462436"/>
+          </a:xfrm>
+          <a:prstGeom prst="rect">
+            <a:avLst/>
+          </a:prstGeom>
+        </p:spPr>
+      </p:pic>
     </p:spTree>
     <p:extLst>
       <p:ext uri="{BB962C8B-B14F-4D97-AF65-F5344CB8AC3E}">
@@ -17640,17 +17180,8 @@
               <a:rPr lang="ru-RU" sz="2800" i="1" dirty="0">
                 <a:latin typeface="ISOCPEUR" panose="020B0604020202020204" pitchFamily="34" charset="0"/>
               </a:rPr>
-              <a:t>Блок-схема алгоритма работы </a:t>
-            </a:r>
-            <a:r>
-              <a:rPr lang="ru-RU" sz="2800" i="1" dirty="0" smtClean="0">
-                <a:latin typeface="ISOCPEUR" panose="020B0604020202020204" pitchFamily="34" charset="0"/>
-              </a:rPr>
-              <a:t>пользователя</a:t>
-            </a:r>
-            <a:endParaRPr lang="ru-RU" sz="2800" i="1" dirty="0">
-              <a:latin typeface="ISOCPEUR" panose="020B0604020202020204" pitchFamily="34" charset="0"/>
-            </a:endParaRPr>
+              <a:t>Блок-схема алгоритма работы пользователя</a:t>
+            </a:r>
           </a:p>
         </p:txBody>
       </p:sp>
@@ -17773,7 +17304,7 @@
           <a:p>
             <a:pPr defTabSz="685800"/>
             <a:r>
-              <a:rPr lang="ru-RU" sz="2700" i="1" dirty="0" smtClean="0">
+              <a:rPr lang="ru-RU" sz="2700" i="1" dirty="0">
                 <a:solidFill>
                   <a:prstClr val="black"/>
                 </a:solidFill>
@@ -17781,15 +17312,39 @@
               </a:rPr>
               <a:t>7</a:t>
             </a:r>
-            <a:endParaRPr lang="ru-RU" sz="2700" i="1" dirty="0">
-              <a:solidFill>
-                <a:prstClr val="black"/>
-              </a:solidFill>
-              <a:latin typeface="ISOCPEUR" pitchFamily="34" charset="0"/>
-            </a:endParaRPr>
-          </a:p>
-        </p:txBody>
-      </p:sp>
+          </a:p>
+        </p:txBody>
+      </p:sp>
+      <p:pic>
+        <p:nvPicPr>
+          <p:cNvPr id="2" name="Рисунок 1">
+            <a:extLst>
+              <a:ext uri="{FF2B5EF4-FFF2-40B4-BE49-F238E27FC236}">
+                <a16:creationId xmlns:a16="http://schemas.microsoft.com/office/drawing/2014/main" id="{CD939B63-C68F-4702-9258-E60E882B6F58}"/>
+              </a:ext>
+            </a:extLst>
+          </p:cNvPr>
+          <p:cNvPicPr>
+            <a:picLocks noChangeAspect="1"/>
+          </p:cNvPicPr>
+          <p:nvPr/>
+        </p:nvPicPr>
+        <p:blipFill>
+          <a:blip r:embed="rId2"/>
+          <a:stretch>
+            <a:fillRect/>
+          </a:stretch>
+        </p:blipFill>
+        <p:spPr>
+          <a:xfrm>
+            <a:off x="179512" y="1753712"/>
+            <a:ext cx="8784976" cy="3350576"/>
+          </a:xfrm>
+          <a:prstGeom prst="rect">
+            <a:avLst/>
+          </a:prstGeom>
+        </p:spPr>
+      </p:pic>
     </p:spTree>
     <p:extLst>
       <p:ext uri="{BB962C8B-B14F-4D97-AF65-F5344CB8AC3E}">
@@ -17850,14 +17405,11 @@
           <a:p>
             <a:pPr algn="ctr"/>
             <a:r>
-              <a:rPr lang="ru-RU" sz="2800" i="1" dirty="0" smtClean="0">
+              <a:rPr lang="ru-RU" sz="2800" i="1" dirty="0">
                 <a:latin typeface="ISOCPEUR" panose="020B0604020202020204" pitchFamily="34" charset="0"/>
               </a:rPr>
               <a:t>Диаграмма вариантов использования</a:t>
             </a:r>
-            <a:endParaRPr lang="ru-RU" sz="2800" i="1" dirty="0">
-              <a:latin typeface="ISOCPEUR" panose="020B0604020202020204" pitchFamily="34" charset="0"/>
-            </a:endParaRPr>
           </a:p>
         </p:txBody>
       </p:sp>
@@ -17980,7 +17532,7 @@
           <a:p>
             <a:pPr defTabSz="685800"/>
             <a:r>
-              <a:rPr lang="ru-RU" sz="2700" i="1" dirty="0" smtClean="0">
+              <a:rPr lang="ru-RU" sz="2700" i="1" dirty="0">
                 <a:solidFill>
                   <a:prstClr val="black"/>
                 </a:solidFill>
@@ -17988,15 +17540,39 @@
               </a:rPr>
               <a:t>8</a:t>
             </a:r>
-            <a:endParaRPr lang="ru-RU" sz="2700" i="1" dirty="0">
-              <a:solidFill>
-                <a:prstClr val="black"/>
-              </a:solidFill>
-              <a:latin typeface="ISOCPEUR" pitchFamily="34" charset="0"/>
-            </a:endParaRPr>
-          </a:p>
-        </p:txBody>
-      </p:sp>
+          </a:p>
+        </p:txBody>
+      </p:sp>
+      <p:pic>
+        <p:nvPicPr>
+          <p:cNvPr id="2" name="Рисунок 1">
+            <a:extLst>
+              <a:ext uri="{FF2B5EF4-FFF2-40B4-BE49-F238E27FC236}">
+                <a16:creationId xmlns:a16="http://schemas.microsoft.com/office/drawing/2014/main" id="{F262F06C-2B5B-4FA8-894F-543A64AECA04}"/>
+              </a:ext>
+            </a:extLst>
+          </p:cNvPr>
+          <p:cNvPicPr>
+            <a:picLocks noChangeAspect="1"/>
+          </p:cNvPicPr>
+          <p:nvPr/>
+        </p:nvPicPr>
+        <p:blipFill>
+          <a:blip r:embed="rId2"/>
+          <a:stretch>
+            <a:fillRect/>
+          </a:stretch>
+        </p:blipFill>
+        <p:spPr>
+          <a:xfrm>
+            <a:off x="755576" y="644782"/>
+            <a:ext cx="7632848" cy="5568436"/>
+          </a:xfrm>
+          <a:prstGeom prst="rect">
+            <a:avLst/>
+          </a:prstGeom>
+        </p:spPr>
+      </p:pic>
     </p:spTree>
     <p:extLst>
       <p:ext uri="{BB962C8B-B14F-4D97-AF65-F5344CB8AC3E}">

--- a/презентация.pptx
+++ b/презентация.pptx
@@ -20,9 +20,10 @@
     <p:sldId id="284" r:id="rId14"/>
     <p:sldId id="279" r:id="rId15"/>
     <p:sldId id="262" r:id="rId16"/>
-    <p:sldId id="264" r:id="rId17"/>
-    <p:sldId id="265" r:id="rId18"/>
-    <p:sldId id="266" r:id="rId19"/>
+    <p:sldId id="285" r:id="rId17"/>
+    <p:sldId id="264" r:id="rId18"/>
+    <p:sldId id="265" r:id="rId19"/>
+    <p:sldId id="266" r:id="rId20"/>
   </p:sldIdLst>
   <p:sldSz cx="9144000" cy="6858000" type="screen4x3"/>
   <p:notesSz cx="6858000" cy="9144000"/>
@@ -860,7 +861,7 @@
           <a:p>
             <a:fld id="{95C0A743-738D-4697-954E-71DEACC2E4C2}" type="datetimeFigureOut">
               <a:rPr lang="x-none" smtClean="0"/>
-              <a:t>27.05.2025</a:t>
+              <a:t>5/27/2025</a:t>
             </a:fld>
             <a:endParaRPr lang="x-none"/>
           </a:p>
@@ -1060,7 +1061,7 @@
           <a:p>
             <a:fld id="{95C0A743-738D-4697-954E-71DEACC2E4C2}" type="datetimeFigureOut">
               <a:rPr lang="x-none" smtClean="0"/>
-              <a:t>27.05.2025</a:t>
+              <a:t>5/27/2025</a:t>
             </a:fld>
             <a:endParaRPr lang="x-none"/>
           </a:p>
@@ -1336,7 +1337,7 @@
           <a:p>
             <a:fld id="{95C0A743-738D-4697-954E-71DEACC2E4C2}" type="datetimeFigureOut">
               <a:rPr lang="x-none" smtClean="0"/>
-              <a:t>27.05.2025</a:t>
+              <a:t>5/27/2025</a:t>
             </a:fld>
             <a:endParaRPr lang="x-none"/>
           </a:p>
@@ -1604,7 +1605,7 @@
           <a:p>
             <a:fld id="{95C0A743-738D-4697-954E-71DEACC2E4C2}" type="datetimeFigureOut">
               <a:rPr lang="x-none" smtClean="0"/>
-              <a:t>27.05.2025</a:t>
+              <a:t>5/27/2025</a:t>
             </a:fld>
             <a:endParaRPr lang="x-none"/>
           </a:p>
@@ -2019,7 +2020,7 @@
           <a:p>
             <a:fld id="{95C0A743-738D-4697-954E-71DEACC2E4C2}" type="datetimeFigureOut">
               <a:rPr lang="x-none" smtClean="0"/>
-              <a:t>27.05.2025</a:t>
+              <a:t>5/27/2025</a:t>
             </a:fld>
             <a:endParaRPr lang="x-none"/>
           </a:p>
@@ -2161,7 +2162,7 @@
           <a:p>
             <a:fld id="{95C0A743-738D-4697-954E-71DEACC2E4C2}" type="datetimeFigureOut">
               <a:rPr lang="x-none" smtClean="0"/>
-              <a:t>27.05.2025</a:t>
+              <a:t>5/27/2025</a:t>
             </a:fld>
             <a:endParaRPr lang="x-none"/>
           </a:p>
@@ -2274,7 +2275,7 @@
           <a:p>
             <a:fld id="{95C0A743-738D-4697-954E-71DEACC2E4C2}" type="datetimeFigureOut">
               <a:rPr lang="x-none" smtClean="0"/>
-              <a:t>27.05.2025</a:t>
+              <a:t>5/27/2025</a:t>
             </a:fld>
             <a:endParaRPr lang="x-none"/>
           </a:p>
@@ -2587,7 +2588,7 @@
           <a:p>
             <a:fld id="{95C0A743-738D-4697-954E-71DEACC2E4C2}" type="datetimeFigureOut">
               <a:rPr lang="x-none" smtClean="0"/>
-              <a:t>27.05.2025</a:t>
+              <a:t>5/27/2025</a:t>
             </a:fld>
             <a:endParaRPr lang="x-none"/>
           </a:p>
@@ -3039,7 +3040,7 @@
           <a:p>
             <a:fld id="{95C0A743-738D-4697-954E-71DEACC2E4C2}" type="datetimeFigureOut">
               <a:rPr lang="x-none" smtClean="0"/>
-              <a:t>27.05.2025</a:t>
+              <a:t>5/27/2025</a:t>
             </a:fld>
             <a:endParaRPr lang="x-none"/>
           </a:p>
@@ -3239,7 +3240,7 @@
           <a:p>
             <a:fld id="{95C0A743-738D-4697-954E-71DEACC2E4C2}" type="datetimeFigureOut">
               <a:rPr lang="x-none" smtClean="0"/>
-              <a:t>27.05.2025</a:t>
+              <a:t>5/27/2025</a:t>
             </a:fld>
             <a:endParaRPr lang="x-none"/>
           </a:p>
@@ -3449,7 +3450,7 @@
           <a:p>
             <a:fld id="{95C0A743-738D-4697-954E-71DEACC2E4C2}" type="datetimeFigureOut">
               <a:rPr lang="x-none" smtClean="0"/>
-              <a:t>27.05.2025</a:t>
+              <a:t>5/27/2025</a:t>
             </a:fld>
             <a:endParaRPr lang="x-none"/>
           </a:p>
@@ -3671,7 +3672,7 @@
           <a:p>
             <a:fld id="{95C0A743-738D-4697-954E-71DEACC2E4C2}" type="datetimeFigureOut">
               <a:rPr lang="x-none" smtClean="0"/>
-              <a:t>27.05.2025</a:t>
+              <a:t>5/27/2025</a:t>
             </a:fld>
             <a:endParaRPr lang="x-none"/>
           </a:p>
@@ -3871,7 +3872,7 @@
           <a:p>
             <a:fld id="{95C0A743-738D-4697-954E-71DEACC2E4C2}" type="datetimeFigureOut">
               <a:rPr lang="x-none" smtClean="0"/>
-              <a:t>27.05.2025</a:t>
+              <a:t>5/27/2025</a:t>
             </a:fld>
             <a:endParaRPr lang="x-none"/>
           </a:p>
@@ -4147,7 +4148,7 @@
           <a:p>
             <a:fld id="{95C0A743-738D-4697-954E-71DEACC2E4C2}" type="datetimeFigureOut">
               <a:rPr lang="x-none" smtClean="0"/>
-              <a:t>27.05.2025</a:t>
+              <a:t>5/27/2025</a:t>
             </a:fld>
             <a:endParaRPr lang="x-none"/>
           </a:p>
@@ -4415,7 +4416,7 @@
           <a:p>
             <a:fld id="{95C0A743-738D-4697-954E-71DEACC2E4C2}" type="datetimeFigureOut">
               <a:rPr lang="x-none" smtClean="0"/>
-              <a:t>27.05.2025</a:t>
+              <a:t>5/27/2025</a:t>
             </a:fld>
             <a:endParaRPr lang="x-none"/>
           </a:p>
@@ -4830,7 +4831,7 @@
           <a:p>
             <a:fld id="{95C0A743-738D-4697-954E-71DEACC2E4C2}" type="datetimeFigureOut">
               <a:rPr lang="x-none" smtClean="0"/>
-              <a:t>27.05.2025</a:t>
+              <a:t>5/27/2025</a:t>
             </a:fld>
             <a:endParaRPr lang="x-none"/>
           </a:p>
@@ -4972,7 +4973,7 @@
           <a:p>
             <a:fld id="{95C0A743-738D-4697-954E-71DEACC2E4C2}" type="datetimeFigureOut">
               <a:rPr lang="x-none" smtClean="0"/>
-              <a:t>27.05.2025</a:t>
+              <a:t>5/27/2025</a:t>
             </a:fld>
             <a:endParaRPr lang="x-none"/>
           </a:p>
@@ -5085,7 +5086,7 @@
           <a:p>
             <a:fld id="{95C0A743-738D-4697-954E-71DEACC2E4C2}" type="datetimeFigureOut">
               <a:rPr lang="x-none" smtClean="0"/>
-              <a:t>27.05.2025</a:t>
+              <a:t>5/27/2025</a:t>
             </a:fld>
             <a:endParaRPr lang="x-none"/>
           </a:p>
@@ -5638,7 +5639,7 @@
           <a:p>
             <a:fld id="{95C0A743-738D-4697-954E-71DEACC2E4C2}" type="datetimeFigureOut">
               <a:rPr lang="x-none" smtClean="0"/>
-              <a:t>27.05.2025</a:t>
+              <a:t>5/27/2025</a:t>
             </a:fld>
             <a:endParaRPr lang="x-none"/>
           </a:p>
@@ -5927,7 +5928,7 @@
           <a:p>
             <a:fld id="{95C0A743-738D-4697-954E-71DEACC2E4C2}" type="datetimeFigureOut">
               <a:rPr lang="x-none" smtClean="0"/>
-              <a:t>27.05.2025</a:t>
+              <a:t>5/27/2025</a:t>
             </a:fld>
             <a:endParaRPr lang="x-none"/>
           </a:p>
@@ -6127,7 +6128,7 @@
           <a:p>
             <a:fld id="{95C0A743-738D-4697-954E-71DEACC2E4C2}" type="datetimeFigureOut">
               <a:rPr lang="x-none" smtClean="0"/>
-              <a:t>27.05.2025</a:t>
+              <a:t>5/27/2025</a:t>
             </a:fld>
             <a:endParaRPr lang="x-none"/>
           </a:p>
@@ -6337,7 +6338,7 @@
           <a:p>
             <a:fld id="{95C0A743-738D-4697-954E-71DEACC2E4C2}" type="datetimeFigureOut">
               <a:rPr lang="x-none" smtClean="0"/>
-              <a:t>27.05.2025</a:t>
+              <a:t>5/27/2025</a:t>
             </a:fld>
             <a:endParaRPr lang="x-none"/>
           </a:p>
@@ -6566,7 +6567,7 @@
                 </a:solidFill>
               </a:rPr>
               <a:pPr/>
-              <a:t>27.05.2025</a:t>
+              <a:t>5/27/2025</a:t>
             </a:fld>
             <a:endParaRPr lang="x-none">
               <a:solidFill>
@@ -6798,7 +6799,7 @@
                 </a:solidFill>
               </a:rPr>
               <a:pPr/>
-              <a:t>27.05.2025</a:t>
+              <a:t>5/27/2025</a:t>
             </a:fld>
             <a:endParaRPr lang="x-none">
               <a:solidFill>
@@ -7106,7 +7107,7 @@
                 </a:solidFill>
               </a:rPr>
               <a:pPr/>
-              <a:t>27.05.2025</a:t>
+              <a:t>5/27/2025</a:t>
             </a:fld>
             <a:endParaRPr lang="x-none">
               <a:solidFill>
@@ -7406,7 +7407,7 @@
                 </a:solidFill>
               </a:rPr>
               <a:pPr/>
-              <a:t>27.05.2025</a:t>
+              <a:t>5/27/2025</a:t>
             </a:fld>
             <a:endParaRPr lang="x-none">
               <a:solidFill>
@@ -7853,7 +7854,7 @@
                 </a:solidFill>
               </a:rPr>
               <a:pPr/>
-              <a:t>27.05.2025</a:t>
+              <a:t>5/27/2025</a:t>
             </a:fld>
             <a:endParaRPr lang="x-none">
               <a:solidFill>
@@ -8027,7 +8028,7 @@
                 </a:solidFill>
               </a:rPr>
               <a:pPr/>
-              <a:t>27.05.2025</a:t>
+              <a:t>5/27/2025</a:t>
             </a:fld>
             <a:endParaRPr lang="x-none">
               <a:solidFill>
@@ -8452,7 +8453,7 @@
                 </a:solidFill>
               </a:rPr>
               <a:pPr/>
-              <a:t>27.05.2025</a:t>
+              <a:t>5/27/2025</a:t>
             </a:fld>
             <a:endParaRPr lang="x-none">
               <a:solidFill>
@@ -8797,7 +8798,7 @@
                 </a:solidFill>
               </a:rPr>
               <a:pPr/>
-              <a:t>27.05.2025</a:t>
+              <a:t>5/27/2025</a:t>
             </a:fld>
             <a:endParaRPr lang="x-none">
               <a:solidFill>
@@ -9118,7 +9119,7 @@
                 </a:solidFill>
               </a:rPr>
               <a:pPr/>
-              <a:t>27.05.2025</a:t>
+              <a:t>5/27/2025</a:t>
             </a:fld>
             <a:endParaRPr lang="x-none">
               <a:solidFill>
@@ -9350,7 +9351,7 @@
                 </a:solidFill>
               </a:rPr>
               <a:pPr/>
-              <a:t>27.05.2025</a:t>
+              <a:t>5/27/2025</a:t>
             </a:fld>
             <a:endParaRPr lang="x-none">
               <a:solidFill>
@@ -9592,7 +9593,7 @@
                 </a:solidFill>
               </a:rPr>
               <a:pPr/>
-              <a:t>27.05.2025</a:t>
+              <a:t>5/27/2025</a:t>
             </a:fld>
             <a:endParaRPr lang="x-none">
               <a:solidFill>
@@ -11496,7 +11497,7 @@
           <a:p>
             <a:fld id="{95C0A743-738D-4697-954E-71DEACC2E4C2}" type="datetimeFigureOut">
               <a:rPr lang="x-none" smtClean="0"/>
-              <a:t>27.05.2025</a:t>
+              <a:t>5/27/2025</a:t>
             </a:fld>
             <a:endParaRPr lang="x-none"/>
           </a:p>
@@ -12066,7 +12067,7 @@
           <a:p>
             <a:fld id="{95C0A743-738D-4697-954E-71DEACC2E4C2}" type="datetimeFigureOut">
               <a:rPr lang="x-none" smtClean="0"/>
-              <a:t>27.05.2025</a:t>
+              <a:t>5/27/2025</a:t>
             </a:fld>
             <a:endParaRPr lang="x-none"/>
           </a:p>
@@ -12643,7 +12644,7 @@
                 </a:solidFill>
               </a:rPr>
               <a:pPr/>
-              <a:t>27.05.2025</a:t>
+              <a:t>5/27/2025</a:t>
             </a:fld>
             <a:endParaRPr lang="x-none">
               <a:solidFill>
@@ -13582,7 +13583,7 @@
         </p:nvSpPr>
         <p:spPr>
           <a:xfrm>
-            <a:off x="218356" y="0"/>
+            <a:off x="0" y="33182"/>
             <a:ext cx="9322196" cy="483125"/>
           </a:xfrm>
         </p:spPr>
@@ -13829,6 +13830,54 @@
           </a:p>
         </p:txBody>
       </p:sp>
+      <p:pic>
+        <p:nvPicPr>
+          <p:cNvPr id="3" name="Рисунок 2"/>
+          <p:cNvPicPr>
+            <a:picLocks noChangeAspect="1"/>
+          </p:cNvPicPr>
+          <p:nvPr/>
+        </p:nvPicPr>
+        <p:blipFill>
+          <a:blip r:embed="rId2"/>
+          <a:stretch>
+            <a:fillRect/>
+          </a:stretch>
+        </p:blipFill>
+        <p:spPr>
+          <a:xfrm>
+            <a:off x="1742620" y="604460"/>
+            <a:ext cx="1601887" cy="6141993"/>
+          </a:xfrm>
+          <a:prstGeom prst="rect">
+            <a:avLst/>
+          </a:prstGeom>
+        </p:spPr>
+      </p:pic>
+      <p:pic>
+        <p:nvPicPr>
+          <p:cNvPr id="4" name="Рисунок 3"/>
+          <p:cNvPicPr>
+            <a:picLocks noChangeAspect="1"/>
+          </p:cNvPicPr>
+          <p:nvPr/>
+        </p:nvPicPr>
+        <p:blipFill>
+          <a:blip r:embed="rId3"/>
+          <a:stretch>
+            <a:fillRect/>
+          </a:stretch>
+        </p:blipFill>
+        <p:spPr>
+          <a:xfrm>
+            <a:off x="3635896" y="650305"/>
+            <a:ext cx="4396027" cy="6096148"/>
+          </a:xfrm>
+          <a:prstGeom prst="rect">
+            <a:avLst/>
+          </a:prstGeom>
+        </p:spPr>
+      </p:pic>
     </p:spTree>
     <p:extLst>
       <p:ext uri="{BB962C8B-B14F-4D97-AF65-F5344CB8AC3E}">
@@ -13861,183 +13910,7 @@
       </p:grpSpPr>
       <p:sp>
         <p:nvSpPr>
-          <p:cNvPr id="2" name="Заголовок 1"/>
-          <p:cNvSpPr>
-            <a:spLocks noGrp="1"/>
-          </p:cNvSpPr>
-          <p:nvPr>
-            <p:ph type="ctrTitle"/>
-          </p:nvPr>
-        </p:nvSpPr>
-        <p:spPr>
-          <a:xfrm>
-            <a:off x="251520" y="260648"/>
-            <a:ext cx="8712968" cy="6192688"/>
-          </a:xfrm>
-        </p:spPr>
-        <p:txBody>
-          <a:bodyPr>
-            <a:noAutofit/>
-          </a:bodyPr>
-          <a:lstStyle/>
-          <a:p>
-            <a:pPr algn="l"/>
-            <a:r>
-              <a:rPr lang="ru-RU" sz="2800" dirty="0">
-                <a:solidFill>
-                  <a:prstClr val="black"/>
-                </a:solidFill>
-                <a:latin typeface="ISOCPEUR" pitchFamily="34" charset="0"/>
-              </a:rPr>
-              <a:t>Результаты </a:t>
-            </a:r>
-            <a:r>
-              <a:rPr lang="ru-RU" sz="2800">
-                <a:solidFill>
-                  <a:prstClr val="black"/>
-                </a:solidFill>
-                <a:latin typeface="ISOCPEUR" pitchFamily="34" charset="0"/>
-              </a:rPr>
-              <a:t>дипломного проекта</a:t>
-            </a:r>
-            <a:br>
-              <a:rPr lang="ru-RU" sz="2800" dirty="0">
-                <a:solidFill>
-                  <a:prstClr val="black"/>
-                </a:solidFill>
-                <a:latin typeface="ISOCPEUR" pitchFamily="34" charset="0"/>
-              </a:rPr>
-            </a:br>
-            <a:br>
-              <a:rPr lang="ru-RU" sz="2800" dirty="0">
-                <a:solidFill>
-                  <a:prstClr val="black"/>
-                </a:solidFill>
-                <a:latin typeface="ISOCPEUR" pitchFamily="34" charset="0"/>
-              </a:rPr>
-            </a:br>
-            <a:r>
-              <a:rPr lang="ru-RU" sz="2800" dirty="0">
-                <a:solidFill>
-                  <a:prstClr val="black"/>
-                </a:solidFill>
-                <a:latin typeface="ISOCPEUR" pitchFamily="34" charset="0"/>
-              </a:rPr>
-              <a:t>1. </a:t>
-            </a:r>
-            <a:r>
-              <a:rPr lang="ru-RU" sz="2800" dirty="0">
-                <a:latin typeface="ISOCPEUR" panose="020B0604020202020204" pitchFamily="34" charset="0"/>
-              </a:rPr>
-              <a:t>Проведено эргономическое проектирование программного комплекса на основании эргономических требований</a:t>
-            </a:r>
-            <a:br>
-              <a:rPr lang="ru-RU" sz="2800" dirty="0">
-                <a:latin typeface="ISOCPEUR" panose="020B0604020202020204" pitchFamily="34" charset="0"/>
-              </a:rPr>
-            </a:br>
-            <a:br>
-              <a:rPr lang="ru-RU" sz="2800" dirty="0">
-                <a:solidFill>
-                  <a:prstClr val="black"/>
-                </a:solidFill>
-                <a:latin typeface="ISOCPEUR" pitchFamily="34" charset="0"/>
-              </a:rPr>
-            </a:br>
-            <a:r>
-              <a:rPr lang="ru-RU" sz="2800" dirty="0">
-                <a:solidFill>
-                  <a:prstClr val="black"/>
-                </a:solidFill>
-                <a:latin typeface="ISOCPEUR" pitchFamily="34" charset="0"/>
-              </a:rPr>
-              <a:t>2.</a:t>
-            </a:r>
-            <a:r>
-              <a:rPr lang="ru-RU" sz="2800" b="1" i="1" dirty="0"/>
-              <a:t> </a:t>
-            </a:r>
-            <a:r>
-              <a:rPr lang="ru-RU" sz="2800" dirty="0">
-                <a:latin typeface="ISOCPEUR" panose="020B0604020202020204" pitchFamily="34" charset="0"/>
-              </a:rPr>
-              <a:t>Спроектирован и реализован программный комплекс с использованием </a:t>
-            </a:r>
-            <a:r>
-              <a:rPr lang="en-US" sz="2800" dirty="0">
-                <a:latin typeface="ISOCPEUR" panose="020B0604020202020204" pitchFamily="34" charset="0"/>
-              </a:rPr>
-              <a:t>JavaScript, Node.js, MySQL</a:t>
-            </a:r>
-            <a:r>
-              <a:rPr lang="ru-RU" sz="2800" dirty="0">
-                <a:latin typeface="ISOCPEUR" panose="020B0604020202020204" pitchFamily="34" charset="0"/>
-              </a:rPr>
-              <a:t> под операционную систему </a:t>
-            </a:r>
-            <a:r>
-              <a:rPr lang="en-US" sz="2800" dirty="0">
-                <a:latin typeface="ISOCPEUR" panose="020B0604020202020204" pitchFamily="34" charset="0"/>
-              </a:rPr>
-              <a:t>Linux </a:t>
-            </a:r>
-            <a:r>
-              <a:rPr lang="ru-RU" sz="2800" dirty="0">
-                <a:latin typeface="ISOCPEUR" panose="020B0604020202020204" pitchFamily="34" charset="0"/>
-              </a:rPr>
-              <a:t>в среде разработки </a:t>
-            </a:r>
-            <a:r>
-              <a:rPr lang="en-US" sz="2800" dirty="0">
-                <a:latin typeface="ISOCPEUR" panose="020B0604020202020204" pitchFamily="34" charset="0"/>
-              </a:rPr>
-              <a:t>Visual Studio Code</a:t>
-            </a:r>
-            <a:br>
-              <a:rPr lang="ru-RU" sz="2800" dirty="0">
-                <a:latin typeface="ISOCPEUR" panose="020B0604020202020204" pitchFamily="34" charset="0"/>
-              </a:rPr>
-            </a:br>
-            <a:br>
-              <a:rPr lang="ru-RU" sz="2800" dirty="0">
-                <a:solidFill>
-                  <a:prstClr val="black"/>
-                </a:solidFill>
-                <a:latin typeface="ISOCPEUR" pitchFamily="34" charset="0"/>
-              </a:rPr>
-            </a:br>
-            <a:r>
-              <a:rPr lang="ru-RU" sz="2800" dirty="0">
-                <a:solidFill>
-                  <a:prstClr val="black"/>
-                </a:solidFill>
-                <a:latin typeface="ISOCPEUR" pitchFamily="34" charset="0"/>
-              </a:rPr>
-              <a:t>3.</a:t>
-            </a:r>
-            <a:r>
-              <a:rPr lang="ru-RU" sz="2800" b="1" i="1" dirty="0"/>
-              <a:t> </a:t>
-            </a:r>
-            <a:r>
-              <a:rPr lang="ru-RU" sz="2800" b="1" dirty="0"/>
-              <a:t>Ф</a:t>
-            </a:r>
-            <a:r>
-              <a:rPr lang="ru-RU" sz="2800" dirty="0">
-                <a:latin typeface="ISOCPEUR" panose="020B0604020202020204" pitchFamily="34" charset="0"/>
-              </a:rPr>
-              <a:t>ункциональное и юзабилити-тестирование программного комплекса.</a:t>
-            </a:r>
-            <a:endParaRPr lang="ru-RU" sz="2800" i="1" dirty="0">
-              <a:latin typeface="ISOCPEUR" pitchFamily="34" charset="0"/>
-            </a:endParaRPr>
-          </a:p>
-        </p:txBody>
-      </p:sp>
-      <p:sp>
-        <p:nvSpPr>
-          <p:cNvPr id="3" name="Номер слайда 4"/>
+          <p:cNvPr id="2" name="Номер слайда 4"/>
           <p:cNvSpPr>
             <a:spLocks noGrp="1"/>
           </p:cNvSpPr>
@@ -14062,15 +13935,143 @@
                 </a:solidFill>
                 <a:latin typeface="ISOCPEUR" pitchFamily="34" charset="0"/>
               </a:rPr>
-              <a:t>12</a:t>
-            </a:r>
-          </a:p>
-        </p:txBody>
-      </p:sp>
+              <a:t>11</a:t>
+            </a:r>
+          </a:p>
+        </p:txBody>
+      </p:sp>
+      <p:sp>
+        <p:nvSpPr>
+          <p:cNvPr id="7" name="Прямоугольник 6"/>
+          <p:cNvSpPr/>
+          <p:nvPr/>
+        </p:nvSpPr>
+        <p:spPr>
+          <a:xfrm>
+            <a:off x="467544" y="188640"/>
+            <a:ext cx="8136904" cy="461665"/>
+          </a:xfrm>
+          <a:prstGeom prst="rect">
+            <a:avLst/>
+          </a:prstGeom>
+        </p:spPr>
+        <p:txBody>
+          <a:bodyPr wrap="square">
+            <a:spAutoFit/>
+          </a:bodyPr>
+          <a:lstStyle/>
+          <a:p>
+            <a:pPr algn="ctr"/>
+            <a:r>
+              <a:rPr lang="ru-RU" sz="2400" i="1" dirty="0">
+                <a:latin typeface="ISOCPEUR" panose="020B0604020202020204" pitchFamily="34" charset="0"/>
+              </a:rPr>
+              <a:t>Эскизы рабочих окон программы</a:t>
+            </a:r>
+            <a:endParaRPr lang="ru-RU" sz="2400" dirty="0"/>
+          </a:p>
+        </p:txBody>
+      </p:sp>
+      <p:pic>
+        <p:nvPicPr>
+          <p:cNvPr id="5" name="Рисунок 4"/>
+          <p:cNvPicPr>
+            <a:picLocks noChangeAspect="1"/>
+          </p:cNvPicPr>
+          <p:nvPr/>
+        </p:nvPicPr>
+        <p:blipFill>
+          <a:blip r:embed="rId2"/>
+          <a:stretch>
+            <a:fillRect/>
+          </a:stretch>
+        </p:blipFill>
+        <p:spPr>
+          <a:xfrm>
+            <a:off x="539552" y="1196752"/>
+            <a:ext cx="2953162" cy="1695687"/>
+          </a:xfrm>
+          <a:prstGeom prst="rect">
+            <a:avLst/>
+          </a:prstGeom>
+        </p:spPr>
+      </p:pic>
+      <p:pic>
+        <p:nvPicPr>
+          <p:cNvPr id="6" name="Рисунок 5"/>
+          <p:cNvPicPr>
+            <a:picLocks noChangeAspect="1"/>
+          </p:cNvPicPr>
+          <p:nvPr/>
+        </p:nvPicPr>
+        <p:blipFill>
+          <a:blip r:embed="rId3"/>
+          <a:stretch>
+            <a:fillRect/>
+          </a:stretch>
+        </p:blipFill>
+        <p:spPr>
+          <a:xfrm>
+            <a:off x="827584" y="3501008"/>
+            <a:ext cx="2376264" cy="2449219"/>
+          </a:xfrm>
+          <a:prstGeom prst="rect">
+            <a:avLst/>
+          </a:prstGeom>
+        </p:spPr>
+      </p:pic>
+      <p:pic>
+        <p:nvPicPr>
+          <p:cNvPr id="8" name="Рисунок 7"/>
+          <p:cNvPicPr>
+            <a:picLocks noChangeAspect="1"/>
+          </p:cNvPicPr>
+          <p:nvPr/>
+        </p:nvPicPr>
+        <p:blipFill>
+          <a:blip r:embed="rId4"/>
+          <a:stretch>
+            <a:fillRect/>
+          </a:stretch>
+        </p:blipFill>
+        <p:spPr>
+          <a:xfrm>
+            <a:off x="6300192" y="1124744"/>
+            <a:ext cx="1997140" cy="5184576"/>
+          </a:xfrm>
+          <a:prstGeom prst="rect">
+            <a:avLst/>
+          </a:prstGeom>
+        </p:spPr>
+      </p:pic>
+      <p:pic>
+        <p:nvPicPr>
+          <p:cNvPr id="9" name="Рисунок 8"/>
+          <p:cNvPicPr>
+            <a:picLocks noChangeAspect="1"/>
+          </p:cNvPicPr>
+          <p:nvPr/>
+        </p:nvPicPr>
+        <p:blipFill>
+          <a:blip r:embed="rId5"/>
+          <a:stretch>
+            <a:fillRect/>
+          </a:stretch>
+        </p:blipFill>
+        <p:spPr>
+          <a:xfrm>
+            <a:off x="3635896" y="1196752"/>
+            <a:ext cx="2263214" cy="4680520"/>
+          </a:xfrm>
+          <a:prstGeom prst="rect">
+            <a:avLst/>
+          </a:prstGeom>
+        </p:spPr>
+      </p:pic>
     </p:spTree>
     <p:extLst>
       <p:ext uri="{BB962C8B-B14F-4D97-AF65-F5344CB8AC3E}">
-        <p14:creationId xmlns:p14="http://schemas.microsoft.com/office/powerpoint/2010/main" val="495846477"/>
+        <p14:creationId xmlns:p14="http://schemas.microsoft.com/office/powerpoint/2010/main" val="121950636"/>
       </p:ext>
     </p:extLst>
   </p:cSld>
@@ -14109,8 +14110,8 @@
         </p:nvSpPr>
         <p:spPr>
           <a:xfrm>
-            <a:off x="611660" y="978594"/>
-            <a:ext cx="8136804" cy="5330726"/>
+            <a:off x="251520" y="260648"/>
+            <a:ext cx="8712968" cy="6192688"/>
           </a:xfrm>
         </p:spPr>
         <p:txBody>
@@ -14121,24 +14122,51 @@
           <a:p>
             <a:pPr algn="l"/>
             <a:r>
-              <a:rPr lang="ru-RU" sz="2000" i="1" dirty="0">
+              <a:rPr lang="ru-RU" sz="2800" dirty="0">
                 <a:solidFill>
                   <a:prstClr val="black"/>
                 </a:solidFill>
                 <a:latin typeface="ISOCPEUR" pitchFamily="34" charset="0"/>
               </a:rPr>
-              <a:t>Программный комплекс для отслеживания и визуализации действий пользователей в играбельной рекламе / Мишота В.Г. / Материалы 61-ой научно-технической конференции студентов, магистрантов, аспирантов УО Белорусский государственный университет информатики и радиоэлектроники Минск, БГУИР, 2025. С. 533-535</a:t>
+              <a:t>Результаты </a:t>
+            </a:r>
+            <a:r>
+              <a:rPr lang="ru-RU" sz="2800">
+                <a:solidFill>
+                  <a:prstClr val="black"/>
+                </a:solidFill>
+                <a:latin typeface="ISOCPEUR" pitchFamily="34" charset="0"/>
+              </a:rPr>
+              <a:t>дипломного проекта</a:t>
+            </a:r>
+            <a:r>
+              <a:rPr lang="ru-RU" sz="2800" dirty="0">
+                <a:solidFill>
+                  <a:prstClr val="black"/>
+                </a:solidFill>
+                <a:latin typeface="ISOCPEUR" pitchFamily="34" charset="0"/>
+              </a:rPr>
+              <a:t/>
             </a:r>
             <a:br>
-              <a:rPr lang="ru-RU" sz="2000" i="1" dirty="0">
+              <a:rPr lang="ru-RU" sz="2800" dirty="0">
                 <a:solidFill>
                   <a:prstClr val="black"/>
                 </a:solidFill>
                 <a:latin typeface="ISOCPEUR" pitchFamily="34" charset="0"/>
               </a:rPr>
             </a:br>
+            <a:r>
+              <a:rPr lang="ru-RU" sz="2800" dirty="0">
+                <a:solidFill>
+                  <a:prstClr val="black"/>
+                </a:solidFill>
+                <a:latin typeface="ISOCPEUR" pitchFamily="34" charset="0"/>
+              </a:rPr>
+              <a:t/>
+            </a:r>
             <a:br>
-              <a:rPr lang="ru-RU" sz="2000" i="1" dirty="0">
+              <a:rPr lang="ru-RU" sz="2800" dirty="0">
                 <a:solidFill>
                   <a:prstClr val="black"/>
                 </a:solidFill>
@@ -14146,16 +14174,36 @@
               </a:rPr>
             </a:br>
             <a:r>
-              <a:rPr lang="ru-RU" sz="2000" i="1" dirty="0">
+              <a:rPr lang="ru-RU" sz="2800" dirty="0">
                 <a:solidFill>
                   <a:prstClr val="black"/>
                 </a:solidFill>
                 <a:latin typeface="ISOCPEUR" pitchFamily="34" charset="0"/>
               </a:rPr>
-              <a:t>Мониторинг приложений, разработанных</a:t>
+              <a:t>1. </a:t>
+            </a:r>
+            <a:r>
+              <a:rPr lang="ru-RU" sz="2800" dirty="0">
+                <a:latin typeface="ISOCPEUR" panose="020B0604020202020204" pitchFamily="34" charset="0"/>
+              </a:rPr>
+              <a:t>Проведено эргономическое проектирование программного комплекса на основании эргономических требований</a:t>
             </a:r>
             <a:br>
-              <a:rPr lang="ru-RU" sz="2000" i="1" dirty="0">
+              <a:rPr lang="ru-RU" sz="2800" dirty="0">
+                <a:latin typeface="ISOCPEUR" panose="020B0604020202020204" pitchFamily="34" charset="0"/>
+              </a:rPr>
+            </a:br>
+            <a:r>
+              <a:rPr lang="ru-RU" sz="2800" dirty="0">
+                <a:solidFill>
+                  <a:prstClr val="black"/>
+                </a:solidFill>
+                <a:latin typeface="ISOCPEUR" pitchFamily="34" charset="0"/>
+              </a:rPr>
+              <a:t/>
+            </a:r>
+            <a:br>
+              <a:rPr lang="ru-RU" sz="2800" dirty="0">
                 <a:solidFill>
                   <a:prstClr val="black"/>
                 </a:solidFill>
@@ -14163,112 +14211,106 @@
               </a:rPr>
             </a:br>
             <a:r>
-              <a:rPr lang="ru-RU" sz="2000" i="1" dirty="0">
+              <a:rPr lang="ru-RU" sz="2800" dirty="0">
                 <a:solidFill>
                   <a:prstClr val="black"/>
                 </a:solidFill>
                 <a:latin typeface="ISOCPEUR" pitchFamily="34" charset="0"/>
               </a:rPr>
-              <a:t>с использованием </a:t>
-            </a:r>
-            <a:r>
-              <a:rPr lang="ru-RU" sz="2000" i="1" dirty="0" err="1">
+              <a:t>2.</a:t>
+            </a:r>
+            <a:r>
+              <a:rPr lang="ru-RU" sz="2800" b="1" i="1" dirty="0"/>
+              <a:t> </a:t>
+            </a:r>
+            <a:r>
+              <a:rPr lang="ru-RU" sz="2800" dirty="0">
+                <a:latin typeface="ISOCPEUR" panose="020B0604020202020204" pitchFamily="34" charset="0"/>
+              </a:rPr>
+              <a:t>Спроектирован и реализован программный комплекс с использованием </a:t>
+            </a:r>
+            <a:r>
+              <a:rPr lang="en-US" sz="2800" dirty="0">
+                <a:latin typeface="ISOCPEUR" panose="020B0604020202020204" pitchFamily="34" charset="0"/>
+              </a:rPr>
+              <a:t>JavaScript, Node.js, MySQL</a:t>
+            </a:r>
+            <a:r>
+              <a:rPr lang="ru-RU" sz="2800" dirty="0">
+                <a:latin typeface="ISOCPEUR" panose="020B0604020202020204" pitchFamily="34" charset="0"/>
+              </a:rPr>
+              <a:t> под операционную систему </a:t>
+            </a:r>
+            <a:r>
+              <a:rPr lang="en-US" sz="2800" dirty="0">
+                <a:latin typeface="ISOCPEUR" panose="020B0604020202020204" pitchFamily="34" charset="0"/>
+              </a:rPr>
+              <a:t>Linux </a:t>
+            </a:r>
+            <a:r>
+              <a:rPr lang="ru-RU" sz="2800" dirty="0">
+                <a:latin typeface="ISOCPEUR" panose="020B0604020202020204" pitchFamily="34" charset="0"/>
+              </a:rPr>
+              <a:t>в среде разработки </a:t>
+            </a:r>
+            <a:r>
+              <a:rPr lang="en-US" sz="2800" dirty="0">
+                <a:latin typeface="ISOCPEUR" panose="020B0604020202020204" pitchFamily="34" charset="0"/>
+              </a:rPr>
+              <a:t>Visual Studio Code</a:t>
+            </a:r>
+            <a:r>
+              <a:rPr lang="ru-RU" sz="2800" dirty="0">
+                <a:latin typeface="ISOCPEUR" panose="020B0604020202020204" pitchFamily="34" charset="0"/>
+              </a:rPr>
+              <a:t/>
+            </a:r>
+            <a:br>
+              <a:rPr lang="ru-RU" sz="2800" dirty="0">
+                <a:latin typeface="ISOCPEUR" panose="020B0604020202020204" pitchFamily="34" charset="0"/>
+              </a:rPr>
+            </a:br>
+            <a:r>
+              <a:rPr lang="ru-RU" sz="2800" dirty="0">
                 <a:solidFill>
                   <a:prstClr val="black"/>
                 </a:solidFill>
                 <a:latin typeface="ISOCPEUR" pitchFamily="34" charset="0"/>
               </a:rPr>
-              <a:t>микросервисной</a:t>
-            </a:r>
-            <a:r>
-              <a:rPr lang="ru-RU" sz="2000" i="1" dirty="0">
-                <a:solidFill>
-                  <a:prstClr val="black"/>
-                </a:solidFill>
-                <a:latin typeface="ISOCPEUR" pitchFamily="34" charset="0"/>
-              </a:rPr>
-              <a:t> архитектуры / </a:t>
-            </a:r>
-            <a:r>
-              <a:rPr lang="ru-RU" sz="2000" i="1" dirty="0" err="1">
-                <a:solidFill>
-                  <a:prstClr val="black"/>
-                </a:solidFill>
-                <a:latin typeface="ISOCPEUR" pitchFamily="34" charset="0"/>
-              </a:rPr>
-              <a:t>Мишота</a:t>
-            </a:r>
-            <a:r>
-              <a:rPr lang="ru-RU" sz="2000" i="1" dirty="0">
-                <a:solidFill>
-                  <a:prstClr val="black"/>
-                </a:solidFill>
-                <a:latin typeface="ISOCPEUR" pitchFamily="34" charset="0"/>
-              </a:rPr>
-              <a:t> В.Г., Жук Н.Е. / Материалы 59-ой научно-технической конференции студентов, магистрантов, аспирантов УО Белорусский государственный университет информатики и радиоэлектроники Минск, БГУИР, 2023. С. 594-596</a:t>
+              <a:t/>
             </a:r>
             <a:br>
-              <a:rPr lang="ru-RU" sz="2000" i="1" dirty="0">
+              <a:rPr lang="ru-RU" sz="2800" dirty="0">
                 <a:solidFill>
                   <a:prstClr val="black"/>
                 </a:solidFill>
                 <a:latin typeface="ISOCPEUR" pitchFamily="34" charset="0"/>
               </a:rPr>
             </a:br>
-            <a:br>
-              <a:rPr lang="ru-RU" sz="2000" i="1" dirty="0">
+            <a:r>
+              <a:rPr lang="ru-RU" sz="2800" dirty="0">
                 <a:solidFill>
                   <a:prstClr val="black"/>
                 </a:solidFill>
                 <a:latin typeface="ISOCPEUR" pitchFamily="34" charset="0"/>
               </a:rPr>
-            </a:br>
-            <a:r>
-              <a:rPr lang="ru-RU" sz="2000" i="1" dirty="0">
-                <a:solidFill>
-                  <a:prstClr val="black"/>
-                </a:solidFill>
-                <a:latin typeface="ISOCPEUR" pitchFamily="34" charset="0"/>
+              <a:t>3.</a:t>
+            </a:r>
+            <a:r>
+              <a:rPr lang="ru-RU" sz="2800" b="1" i="1" dirty="0"/>
+              <a:t> </a:t>
+            </a:r>
+            <a:r>
+              <a:rPr lang="ru-RU" sz="2800" b="1" dirty="0"/>
+              <a:t>Ф</a:t>
+            </a:r>
+            <a:r>
+              <a:rPr lang="ru-RU" sz="2800" dirty="0">
+                <a:latin typeface="ISOCPEUR" panose="020B0604020202020204" pitchFamily="34" charset="0"/>
               </a:rPr>
-              <a:t>Базовая математическая модель и алгоритмы для выявления необходимости устройств </a:t>
-            </a:r>
-            <a:r>
-              <a:rPr lang="ru-RU" sz="2000" i="1" dirty="0" err="1">
-                <a:solidFill>
-                  <a:prstClr val="black"/>
-                </a:solidFill>
-                <a:latin typeface="ISOCPEUR" pitchFamily="34" charset="0"/>
-              </a:rPr>
-              <a:t>молниезащиты</a:t>
-            </a:r>
-            <a:r>
-              <a:rPr lang="ru-RU" sz="2000" i="1" dirty="0">
-                <a:solidFill>
-                  <a:prstClr val="black"/>
-                </a:solidFill>
-                <a:latin typeface="ISOCPEUR" pitchFamily="34" charset="0"/>
-              </a:rPr>
-              <a:t> зданий и сооружений / </a:t>
-            </a:r>
-            <a:r>
-              <a:rPr lang="ru-RU" sz="2000" i="1" dirty="0" err="1">
-                <a:solidFill>
-                  <a:prstClr val="black"/>
-                </a:solidFill>
-                <a:latin typeface="ISOCPEUR" pitchFamily="34" charset="0"/>
-              </a:rPr>
-              <a:t>Мишота</a:t>
-            </a:r>
-            <a:r>
-              <a:rPr lang="ru-RU" sz="2000" i="1" dirty="0">
-                <a:solidFill>
-                  <a:prstClr val="black"/>
-                </a:solidFill>
-                <a:latin typeface="ISOCPEUR" pitchFamily="34" charset="0"/>
-              </a:rPr>
-              <a:t> В.Г., Кондратюк М.М. / Материалы 59-ой научно-технической конференции студентов, магистрантов, аспирантов УО Белорусский государственный университет информатики и радиоэлектроники Минск, БГУИР, 2023. С. 779-781</a:t>
-            </a:r>
-            <a:endParaRPr lang="ru-RU" sz="1200" i="1" dirty="0">
+              <a:t>ункциональное и юзабилити-тестирование программного комплекса.</a:t>
+            </a:r>
+            <a:endParaRPr lang="ru-RU" sz="2800" i="1" dirty="0">
               <a:latin typeface="ISOCPEUR" pitchFamily="34" charset="0"/>
             </a:endParaRPr>
           </a:p>
@@ -14277,171 +14319,39 @@
       <p:sp>
         <p:nvSpPr>
           <p:cNvPr id="3" name="Номер слайда 4"/>
-          <p:cNvSpPr txBox="1">
-            <a:spLocks/>
-          </p:cNvSpPr>
-          <p:nvPr/>
+          <p:cNvSpPr>
+            <a:spLocks noGrp="1"/>
+          </p:cNvSpPr>
+          <p:nvPr>
+            <p:ph type="sldNum" sz="quarter" idx="12"/>
+          </p:nvPr>
         </p:nvSpPr>
         <p:spPr>
           <a:xfrm>
             <a:off x="6300192" y="6381328"/>
             <a:ext cx="2743200" cy="365125"/>
           </a:xfrm>
-          <a:prstGeom prst="rect">
-            <a:avLst/>
-          </a:prstGeom>
         </p:spPr>
         <p:txBody>
-          <a:bodyPr vert="horz" lIns="91440" tIns="45720" rIns="91440" bIns="45720" rtlCol="0" anchor="ctr"/>
-          <a:lstStyle>
-            <a:defPPr>
-              <a:defRPr lang="ru-RU"/>
-            </a:defPPr>
-            <a:lvl1pPr marL="0" algn="r" defTabSz="914400" rtl="0" eaLnBrk="1" latinLnBrk="0" hangingPunct="1">
-              <a:defRPr sz="1200" kern="1200">
-                <a:solidFill>
-                  <a:schemeClr val="tx1">
-                    <a:tint val="75000"/>
-                  </a:schemeClr>
-                </a:solidFill>
-                <a:latin typeface="+mn-lt"/>
-                <a:ea typeface="+mn-ea"/>
-                <a:cs typeface="+mn-cs"/>
-              </a:defRPr>
-            </a:lvl1pPr>
-            <a:lvl2pPr marL="457200" algn="l" defTabSz="914400" rtl="0" eaLnBrk="1" latinLnBrk="0" hangingPunct="1">
-              <a:defRPr sz="1800" kern="1200">
+          <a:bodyPr/>
+          <a:lstStyle/>
+          <a:p>
+            <a:r>
+              <a:rPr lang="ru-RU" sz="3600" i="1" dirty="0">
                 <a:solidFill>
                   <a:schemeClr val="tx1"/>
-                </a:solidFill>
-                <a:latin typeface="+mn-lt"/>
-                <a:ea typeface="+mn-ea"/>
-                <a:cs typeface="+mn-cs"/>
-              </a:defRPr>
-            </a:lvl2pPr>
-            <a:lvl3pPr marL="914400" algn="l" defTabSz="914400" rtl="0" eaLnBrk="1" latinLnBrk="0" hangingPunct="1">
-              <a:defRPr sz="1800" kern="1200">
-                <a:solidFill>
-                  <a:schemeClr val="tx1"/>
-                </a:solidFill>
-                <a:latin typeface="+mn-lt"/>
-                <a:ea typeface="+mn-ea"/>
-                <a:cs typeface="+mn-cs"/>
-              </a:defRPr>
-            </a:lvl3pPr>
-            <a:lvl4pPr marL="1371600" algn="l" defTabSz="914400" rtl="0" eaLnBrk="1" latinLnBrk="0" hangingPunct="1">
-              <a:defRPr sz="1800" kern="1200">
-                <a:solidFill>
-                  <a:schemeClr val="tx1"/>
-                </a:solidFill>
-                <a:latin typeface="+mn-lt"/>
-                <a:ea typeface="+mn-ea"/>
-                <a:cs typeface="+mn-cs"/>
-              </a:defRPr>
-            </a:lvl4pPr>
-            <a:lvl5pPr marL="1828800" algn="l" defTabSz="914400" rtl="0" eaLnBrk="1" latinLnBrk="0" hangingPunct="1">
-              <a:defRPr sz="1800" kern="1200">
-                <a:solidFill>
-                  <a:schemeClr val="tx1"/>
-                </a:solidFill>
-                <a:latin typeface="+mn-lt"/>
-                <a:ea typeface="+mn-ea"/>
-                <a:cs typeface="+mn-cs"/>
-              </a:defRPr>
-            </a:lvl5pPr>
-            <a:lvl6pPr marL="2286000" algn="l" defTabSz="914400" rtl="0" eaLnBrk="1" latinLnBrk="0" hangingPunct="1">
-              <a:defRPr sz="1800" kern="1200">
-                <a:solidFill>
-                  <a:schemeClr val="tx1"/>
-                </a:solidFill>
-                <a:latin typeface="+mn-lt"/>
-                <a:ea typeface="+mn-ea"/>
-                <a:cs typeface="+mn-cs"/>
-              </a:defRPr>
-            </a:lvl6pPr>
-            <a:lvl7pPr marL="2743200" algn="l" defTabSz="914400" rtl="0" eaLnBrk="1" latinLnBrk="0" hangingPunct="1">
-              <a:defRPr sz="1800" kern="1200">
-                <a:solidFill>
-                  <a:schemeClr val="tx1"/>
-                </a:solidFill>
-                <a:latin typeface="+mn-lt"/>
-                <a:ea typeface="+mn-ea"/>
-                <a:cs typeface="+mn-cs"/>
-              </a:defRPr>
-            </a:lvl7pPr>
-            <a:lvl8pPr marL="3200400" algn="l" defTabSz="914400" rtl="0" eaLnBrk="1" latinLnBrk="0" hangingPunct="1">
-              <a:defRPr sz="1800" kern="1200">
-                <a:solidFill>
-                  <a:schemeClr val="tx1"/>
-                </a:solidFill>
-                <a:latin typeface="+mn-lt"/>
-                <a:ea typeface="+mn-ea"/>
-                <a:cs typeface="+mn-cs"/>
-              </a:defRPr>
-            </a:lvl8pPr>
-            <a:lvl9pPr marL="3657600" algn="l" defTabSz="914400" rtl="0" eaLnBrk="1" latinLnBrk="0" hangingPunct="1">
-              <a:defRPr sz="1800" kern="1200">
-                <a:solidFill>
-                  <a:schemeClr val="tx1"/>
-                </a:solidFill>
-                <a:latin typeface="+mn-lt"/>
-                <a:ea typeface="+mn-ea"/>
-                <a:cs typeface="+mn-cs"/>
-              </a:defRPr>
-            </a:lvl9pPr>
-          </a:lstStyle>
-          <a:p>
-            <a:r>
-              <a:rPr lang="ru-RU" sz="3600" i="1" dirty="0">
-                <a:solidFill>
-                  <a:prstClr val="black"/>
                 </a:solidFill>
                 <a:latin typeface="ISOCPEUR" pitchFamily="34" charset="0"/>
               </a:rPr>
-              <a:t>13</a:t>
-            </a:r>
-          </a:p>
-        </p:txBody>
-      </p:sp>
-      <p:sp>
-        <p:nvSpPr>
-          <p:cNvPr id="4" name="Прямоугольник 3"/>
-          <p:cNvSpPr/>
-          <p:nvPr/>
-        </p:nvSpPr>
-        <p:spPr>
-          <a:xfrm>
-            <a:off x="467544" y="188640"/>
-            <a:ext cx="8136904" cy="461665"/>
-          </a:xfrm>
-          <a:prstGeom prst="rect">
-            <a:avLst/>
-          </a:prstGeom>
-        </p:spPr>
-        <p:txBody>
-          <a:bodyPr wrap="square">
-            <a:spAutoFit/>
-          </a:bodyPr>
-          <a:lstStyle/>
-          <a:p>
-            <a:pPr algn="ctr"/>
-            <a:r>
-              <a:rPr lang="ru-RU" sz="2400" i="1" dirty="0">
-                <a:solidFill>
-                  <a:prstClr val="black"/>
-                </a:solidFill>
-                <a:latin typeface="ISOCPEUR" pitchFamily="34" charset="0"/>
-              </a:rPr>
-              <a:t>Публикации студента</a:t>
-            </a:r>
-            <a:endParaRPr lang="ru-RU" sz="2400" dirty="0"/>
+              <a:t>12</a:t>
+            </a:r>
           </a:p>
         </p:txBody>
       </p:sp>
     </p:spTree>
     <p:extLst>
       <p:ext uri="{BB962C8B-B14F-4D97-AF65-F5344CB8AC3E}">
-        <p14:creationId xmlns:p14="http://schemas.microsoft.com/office/powerpoint/2010/main" val="2632855047"/>
+        <p14:creationId xmlns:p14="http://schemas.microsoft.com/office/powerpoint/2010/main" val="495846477"/>
       </p:ext>
     </p:extLst>
   </p:cSld>
@@ -14480,8 +14390,8 @@
         </p:nvSpPr>
         <p:spPr>
           <a:xfrm>
-            <a:off x="251520" y="764705"/>
-            <a:ext cx="8784976" cy="2804854"/>
+            <a:off x="611660" y="978594"/>
+            <a:ext cx="8136804" cy="5330726"/>
           </a:xfrm>
         </p:spPr>
         <p:txBody>
@@ -14492,78 +14402,33 @@
           <a:p>
             <a:pPr algn="l"/>
             <a:r>
-              <a:rPr lang="ru-RU" sz="2800" i="1" dirty="0">
+              <a:rPr lang="ru-RU" sz="2000" i="1" dirty="0">
                 <a:solidFill>
                   <a:prstClr val="black"/>
                 </a:solidFill>
                 <a:latin typeface="ISOCPEUR" pitchFamily="34" charset="0"/>
               </a:rPr>
-              <a:t>Акт </a:t>
-            </a:r>
-            <a:r>
+              <a:t>Программный комплекс для отслеживания и визуализации действий пользователей в играбельной рекламе / Мишота В.Г. / Материалы 61-ой научно-технической конференции студентов, магистрантов, аспирантов УО Белорусский государственный университет информатики и радиоэлектроники Минск, БГУИР, 2025. С. 533-535</a:t>
+            </a:r>
+            <a:br>
               <a:rPr lang="ru-RU" sz="2000" i="1" dirty="0">
                 <a:solidFill>
-                  <a:srgbClr val="FF0000"/>
-                </a:solidFill>
-                <a:latin typeface="ISOCPEUR" pitchFamily="34" charset="0"/>
-              </a:rPr>
-              <a:t>и</a:t>
-            </a:r>
-            <a:r>
-              <a:rPr lang="en-US" sz="2000" i="1" dirty="0">
-                <a:solidFill>
-                  <a:srgbClr val="FF0000"/>
-                </a:solidFill>
-                <a:latin typeface="ISOCPEUR" pitchFamily="34" charset="0"/>
-              </a:rPr>
-              <a:t>/</a:t>
-            </a:r>
-            <a:r>
-              <a:rPr lang="ru-RU" sz="2000" i="1" dirty="0">
-                <a:solidFill>
-                  <a:srgbClr val="FF0000"/>
-                </a:solidFill>
-                <a:latin typeface="ISOCPEUR" pitchFamily="34" charset="0"/>
-              </a:rPr>
-              <a:t>или</a:t>
-            </a:r>
-            <a:r>
-              <a:rPr lang="en-US" sz="2000" i="1" dirty="0">
-                <a:solidFill>
-                  <a:srgbClr val="FF0000"/>
-                </a:solidFill>
-                <a:latin typeface="ISOCPEUR" pitchFamily="34" charset="0"/>
-              </a:rPr>
-              <a:t> </a:t>
-            </a:r>
-            <a:r>
-              <a:rPr lang="ru-RU" sz="2800" i="1" dirty="0">
-                <a:solidFill>
                   <a:prstClr val="black"/>
-                </a:solidFill>
-                <a:latin typeface="ISOCPEUR" pitchFamily="34" charset="0"/>
-              </a:rPr>
-              <a:t>справка о внедрении </a:t>
-            </a:r>
-            <a:r>
-              <a:rPr lang="ru-RU" sz="2800" i="1" dirty="0">
-                <a:solidFill>
-                  <a:srgbClr val="FF0000"/>
-                </a:solidFill>
-                <a:latin typeface="ISOCPEUR" pitchFamily="34" charset="0"/>
-              </a:rPr>
-              <a:t>(при наличии)</a:t>
-            </a:r>
-            <a:br>
-              <a:rPr lang="ru-RU" sz="2800" i="1" dirty="0">
-                <a:solidFill>
-                  <a:srgbClr val="FF0000"/>
                 </a:solidFill>
                 <a:latin typeface="ISOCPEUR" pitchFamily="34" charset="0"/>
               </a:rPr>
             </a:br>
+            <a:r>
+              <a:rPr lang="ru-RU" sz="2000" i="1" dirty="0">
+                <a:solidFill>
+                  <a:prstClr val="black"/>
+                </a:solidFill>
+                <a:latin typeface="ISOCPEUR" pitchFamily="34" charset="0"/>
+              </a:rPr>
+              <a:t/>
+            </a:r>
             <a:br>
-              <a:rPr lang="ru-RU" sz="2800" i="1" dirty="0">
+              <a:rPr lang="ru-RU" sz="2000" i="1" dirty="0">
                 <a:solidFill>
                   <a:prstClr val="black"/>
                 </a:solidFill>
@@ -14571,62 +14436,407 @@
               </a:rPr>
             </a:br>
             <a:r>
-              <a:rPr lang="ru-RU" sz="2800" i="1" dirty="0">
+              <a:rPr lang="ru-RU" sz="2000" i="1" dirty="0">
                 <a:solidFill>
                   <a:prstClr val="black"/>
                 </a:solidFill>
                 <a:latin typeface="ISOCPEUR" pitchFamily="34" charset="0"/>
               </a:rPr>
-              <a:t>(разместить фотографию акта </a:t>
-            </a:r>
-            <a:r>
-              <a:rPr lang="en-US" sz="2800" i="1" dirty="0">
-                <a:solidFill>
-                  <a:prstClr val="black"/>
-                </a:solidFill>
-                <a:latin typeface="ISOCPEUR" pitchFamily="34" charset="0"/>
-              </a:rPr>
-              <a:t>/ </a:t>
-            </a:r>
-            <a:r>
-              <a:rPr lang="ru-RU" sz="2800" i="1" dirty="0">
-                <a:solidFill>
-                  <a:prstClr val="black"/>
-                </a:solidFill>
-                <a:latin typeface="ISOCPEUR" pitchFamily="34" charset="0"/>
-              </a:rPr>
-              <a:t>справки о внедрении)</a:t>
+              <a:t>Мониторинг приложений, разработанных</a:t>
             </a:r>
             <a:br>
-              <a:rPr lang="ru-RU" sz="2100" i="1" dirty="0">
+              <a:rPr lang="ru-RU" sz="2000" i="1" dirty="0">
                 <a:solidFill>
                   <a:prstClr val="black"/>
                 </a:solidFill>
                 <a:latin typeface="ISOCPEUR" pitchFamily="34" charset="0"/>
               </a:rPr>
             </a:br>
+            <a:r>
+              <a:rPr lang="ru-RU" sz="2000" i="1" dirty="0">
+                <a:solidFill>
+                  <a:prstClr val="black"/>
+                </a:solidFill>
+                <a:latin typeface="ISOCPEUR" pitchFamily="34" charset="0"/>
+              </a:rPr>
+              <a:t>с использованием </a:t>
+            </a:r>
+            <a:r>
+              <a:rPr lang="ru-RU" sz="2000" i="1" dirty="0" err="1">
+                <a:solidFill>
+                  <a:prstClr val="black"/>
+                </a:solidFill>
+                <a:latin typeface="ISOCPEUR" pitchFamily="34" charset="0"/>
+              </a:rPr>
+              <a:t>микросервисной</a:t>
+            </a:r>
+            <a:r>
+              <a:rPr lang="ru-RU" sz="2000" i="1" dirty="0">
+                <a:solidFill>
+                  <a:prstClr val="black"/>
+                </a:solidFill>
+                <a:latin typeface="ISOCPEUR" pitchFamily="34" charset="0"/>
+              </a:rPr>
+              <a:t> архитектуры / </a:t>
+            </a:r>
+            <a:r>
+              <a:rPr lang="ru-RU" sz="2000" i="1" dirty="0" err="1">
+                <a:solidFill>
+                  <a:prstClr val="black"/>
+                </a:solidFill>
+                <a:latin typeface="ISOCPEUR" pitchFamily="34" charset="0"/>
+              </a:rPr>
+              <a:t>Мишота</a:t>
+            </a:r>
+            <a:r>
+              <a:rPr lang="ru-RU" sz="2000" i="1" dirty="0">
+                <a:solidFill>
+                  <a:prstClr val="black"/>
+                </a:solidFill>
+                <a:latin typeface="ISOCPEUR" pitchFamily="34" charset="0"/>
+              </a:rPr>
+              <a:t> В.Г., Жук Н.Е. / Материалы 59-ой научно-технической конференции студентов, магистрантов, аспирантов УО Белорусский государственный университет информатики и радиоэлектроники Минск, БГУИР, 2023. С. 594-596</a:t>
+            </a:r>
             <a:br>
-              <a:rPr lang="ru-RU" sz="1575" i="1" dirty="0">
+              <a:rPr lang="ru-RU" sz="2000" i="1" dirty="0">
                 <a:solidFill>
                   <a:prstClr val="black"/>
                 </a:solidFill>
                 <a:latin typeface="ISOCPEUR" pitchFamily="34" charset="0"/>
               </a:rPr>
             </a:br>
+            <a:r>
+              <a:rPr lang="ru-RU" sz="2000" i="1" dirty="0">
+                <a:solidFill>
+                  <a:prstClr val="black"/>
+                </a:solidFill>
+                <a:latin typeface="ISOCPEUR" pitchFamily="34" charset="0"/>
+              </a:rPr>
+              <a:t/>
+            </a:r>
             <a:br>
-              <a:rPr lang="ru-RU" sz="1575" i="1" dirty="0">
+              <a:rPr lang="ru-RU" sz="2000" i="1" dirty="0">
                 <a:solidFill>
                   <a:prstClr val="black"/>
                 </a:solidFill>
                 <a:latin typeface="ISOCPEUR" pitchFamily="34" charset="0"/>
               </a:rPr>
             </a:br>
+            <a:r>
+              <a:rPr lang="ru-RU" sz="2000" i="1" dirty="0">
+                <a:solidFill>
+                  <a:prstClr val="black"/>
+                </a:solidFill>
+                <a:latin typeface="ISOCPEUR" pitchFamily="34" charset="0"/>
+              </a:rPr>
+              <a:t>Базовая математическая модель и алгоритмы для выявления необходимости устройств </a:t>
+            </a:r>
+            <a:r>
+              <a:rPr lang="ru-RU" sz="2000" i="1" dirty="0" err="1">
+                <a:solidFill>
+                  <a:prstClr val="black"/>
+                </a:solidFill>
+                <a:latin typeface="ISOCPEUR" pitchFamily="34" charset="0"/>
+              </a:rPr>
+              <a:t>молниезащиты</a:t>
+            </a:r>
+            <a:r>
+              <a:rPr lang="ru-RU" sz="2000" i="1" dirty="0">
+                <a:solidFill>
+                  <a:prstClr val="black"/>
+                </a:solidFill>
+                <a:latin typeface="ISOCPEUR" pitchFamily="34" charset="0"/>
+              </a:rPr>
+              <a:t> зданий и сооружений / </a:t>
+            </a:r>
+            <a:r>
+              <a:rPr lang="ru-RU" sz="2000" i="1" dirty="0" err="1">
+                <a:solidFill>
+                  <a:prstClr val="black"/>
+                </a:solidFill>
+                <a:latin typeface="ISOCPEUR" pitchFamily="34" charset="0"/>
+              </a:rPr>
+              <a:t>Мишота</a:t>
+            </a:r>
+            <a:r>
+              <a:rPr lang="ru-RU" sz="2000" i="1" dirty="0">
+                <a:solidFill>
+                  <a:prstClr val="black"/>
+                </a:solidFill>
+                <a:latin typeface="ISOCPEUR" pitchFamily="34" charset="0"/>
+              </a:rPr>
+              <a:t> В.Г., Кондратюк М.М. / Материалы 59-ой научно-технической конференции студентов, магистрантов, аспирантов УО Белорусский государственный университет информатики и радиоэлектроники Минск, БГУИР, 2023. С. 779-781</a:t>
+            </a:r>
+            <a:endParaRPr lang="ru-RU" sz="1200" i="1" dirty="0">
+              <a:latin typeface="ISOCPEUR" pitchFamily="34" charset="0"/>
+            </a:endParaRPr>
+          </a:p>
+        </p:txBody>
+      </p:sp>
+      <p:sp>
+        <p:nvSpPr>
+          <p:cNvPr id="3" name="Номер слайда 4"/>
+          <p:cNvSpPr txBox="1">
+            <a:spLocks/>
+          </p:cNvSpPr>
+          <p:nvPr/>
+        </p:nvSpPr>
+        <p:spPr>
+          <a:xfrm>
+            <a:off x="6300192" y="6381328"/>
+            <a:ext cx="2743200" cy="365125"/>
+          </a:xfrm>
+          <a:prstGeom prst="rect">
+            <a:avLst/>
+          </a:prstGeom>
+        </p:spPr>
+        <p:txBody>
+          <a:bodyPr vert="horz" lIns="91440" tIns="45720" rIns="91440" bIns="45720" rtlCol="0" anchor="ctr"/>
+          <a:lstStyle>
+            <a:defPPr>
+              <a:defRPr lang="ru-RU"/>
+            </a:defPPr>
+            <a:lvl1pPr marL="0" algn="r" defTabSz="914400" rtl="0" eaLnBrk="1" latinLnBrk="0" hangingPunct="1">
+              <a:defRPr sz="1200" kern="1200">
+                <a:solidFill>
+                  <a:schemeClr val="tx1">
+                    <a:tint val="75000"/>
+                  </a:schemeClr>
+                </a:solidFill>
+                <a:latin typeface="+mn-lt"/>
+                <a:ea typeface="+mn-ea"/>
+                <a:cs typeface="+mn-cs"/>
+              </a:defRPr>
+            </a:lvl1pPr>
+            <a:lvl2pPr marL="457200" algn="l" defTabSz="914400" rtl="0" eaLnBrk="1" latinLnBrk="0" hangingPunct="1">
+              <a:defRPr sz="1800" kern="1200">
+                <a:solidFill>
+                  <a:schemeClr val="tx1"/>
+                </a:solidFill>
+                <a:latin typeface="+mn-lt"/>
+                <a:ea typeface="+mn-ea"/>
+                <a:cs typeface="+mn-cs"/>
+              </a:defRPr>
+            </a:lvl2pPr>
+            <a:lvl3pPr marL="914400" algn="l" defTabSz="914400" rtl="0" eaLnBrk="1" latinLnBrk="0" hangingPunct="1">
+              <a:defRPr sz="1800" kern="1200">
+                <a:solidFill>
+                  <a:schemeClr val="tx1"/>
+                </a:solidFill>
+                <a:latin typeface="+mn-lt"/>
+                <a:ea typeface="+mn-ea"/>
+                <a:cs typeface="+mn-cs"/>
+              </a:defRPr>
+            </a:lvl3pPr>
+            <a:lvl4pPr marL="1371600" algn="l" defTabSz="914400" rtl="0" eaLnBrk="1" latinLnBrk="0" hangingPunct="1">
+              <a:defRPr sz="1800" kern="1200">
+                <a:solidFill>
+                  <a:schemeClr val="tx1"/>
+                </a:solidFill>
+                <a:latin typeface="+mn-lt"/>
+                <a:ea typeface="+mn-ea"/>
+                <a:cs typeface="+mn-cs"/>
+              </a:defRPr>
+            </a:lvl4pPr>
+            <a:lvl5pPr marL="1828800" algn="l" defTabSz="914400" rtl="0" eaLnBrk="1" latinLnBrk="0" hangingPunct="1">
+              <a:defRPr sz="1800" kern="1200">
+                <a:solidFill>
+                  <a:schemeClr val="tx1"/>
+                </a:solidFill>
+                <a:latin typeface="+mn-lt"/>
+                <a:ea typeface="+mn-ea"/>
+                <a:cs typeface="+mn-cs"/>
+              </a:defRPr>
+            </a:lvl5pPr>
+            <a:lvl6pPr marL="2286000" algn="l" defTabSz="914400" rtl="0" eaLnBrk="1" latinLnBrk="0" hangingPunct="1">
+              <a:defRPr sz="1800" kern="1200">
+                <a:solidFill>
+                  <a:schemeClr val="tx1"/>
+                </a:solidFill>
+                <a:latin typeface="+mn-lt"/>
+                <a:ea typeface="+mn-ea"/>
+                <a:cs typeface="+mn-cs"/>
+              </a:defRPr>
+            </a:lvl6pPr>
+            <a:lvl7pPr marL="2743200" algn="l" defTabSz="914400" rtl="0" eaLnBrk="1" latinLnBrk="0" hangingPunct="1">
+              <a:defRPr sz="1800" kern="1200">
+                <a:solidFill>
+                  <a:schemeClr val="tx1"/>
+                </a:solidFill>
+                <a:latin typeface="+mn-lt"/>
+                <a:ea typeface="+mn-ea"/>
+                <a:cs typeface="+mn-cs"/>
+              </a:defRPr>
+            </a:lvl7pPr>
+            <a:lvl8pPr marL="3200400" algn="l" defTabSz="914400" rtl="0" eaLnBrk="1" latinLnBrk="0" hangingPunct="1">
+              <a:defRPr sz="1800" kern="1200">
+                <a:solidFill>
+                  <a:schemeClr val="tx1"/>
+                </a:solidFill>
+                <a:latin typeface="+mn-lt"/>
+                <a:ea typeface="+mn-ea"/>
+                <a:cs typeface="+mn-cs"/>
+              </a:defRPr>
+            </a:lvl8pPr>
+            <a:lvl9pPr marL="3657600" algn="l" defTabSz="914400" rtl="0" eaLnBrk="1" latinLnBrk="0" hangingPunct="1">
+              <a:defRPr sz="1800" kern="1200">
+                <a:solidFill>
+                  <a:schemeClr val="tx1"/>
+                </a:solidFill>
+                <a:latin typeface="+mn-lt"/>
+                <a:ea typeface="+mn-ea"/>
+                <a:cs typeface="+mn-cs"/>
+              </a:defRPr>
+            </a:lvl9pPr>
+          </a:lstStyle>
+          <a:p>
+            <a:r>
+              <a:rPr lang="ru-RU" sz="3600" i="1" dirty="0">
+                <a:solidFill>
+                  <a:prstClr val="black"/>
+                </a:solidFill>
+                <a:latin typeface="ISOCPEUR" pitchFamily="34" charset="0"/>
+              </a:rPr>
+              <a:t>13</a:t>
+            </a:r>
+          </a:p>
+        </p:txBody>
+      </p:sp>
+      <p:sp>
+        <p:nvSpPr>
+          <p:cNvPr id="4" name="Прямоугольник 3"/>
+          <p:cNvSpPr/>
+          <p:nvPr/>
+        </p:nvSpPr>
+        <p:spPr>
+          <a:xfrm>
+            <a:off x="467544" y="188640"/>
+            <a:ext cx="8136904" cy="461665"/>
+          </a:xfrm>
+          <a:prstGeom prst="rect">
+            <a:avLst/>
+          </a:prstGeom>
+        </p:spPr>
+        <p:txBody>
+          <a:bodyPr wrap="square">
+            <a:spAutoFit/>
+          </a:bodyPr>
+          <a:lstStyle/>
+          <a:p>
+            <a:pPr algn="ctr"/>
+            <a:r>
+              <a:rPr lang="ru-RU" sz="2400" i="1" dirty="0">
+                <a:solidFill>
+                  <a:prstClr val="black"/>
+                </a:solidFill>
+                <a:latin typeface="ISOCPEUR" pitchFamily="34" charset="0"/>
+              </a:rPr>
+              <a:t>Публикации студента</a:t>
+            </a:r>
+            <a:endParaRPr lang="ru-RU" sz="2400" dirty="0"/>
+          </a:p>
+        </p:txBody>
+      </p:sp>
+    </p:spTree>
+    <p:extLst>
+      <p:ext uri="{BB962C8B-B14F-4D97-AF65-F5344CB8AC3E}">
+        <p14:creationId xmlns:p14="http://schemas.microsoft.com/office/powerpoint/2010/main" val="2632855047"/>
+      </p:ext>
+    </p:extLst>
+  </p:cSld>
+  <p:clrMapOvr>
+    <a:masterClrMapping/>
+  </p:clrMapOvr>
+</p:sld>
+</file>
+
+<file path=ppt/slides/slide16.xml><?xml version="1.0" encoding="utf-8"?>
+<p:sld xmlns:a="http://schemas.openxmlformats.org/drawingml/2006/main" xmlns:r="http://schemas.openxmlformats.org/officeDocument/2006/relationships" xmlns:p="http://schemas.openxmlformats.org/presentationml/2006/main">
+  <p:cSld>
+    <p:spTree>
+      <p:nvGrpSpPr>
+        <p:cNvPr id="1" name=""/>
+        <p:cNvGrpSpPr/>
+        <p:nvPr/>
+      </p:nvGrpSpPr>
+      <p:grpSpPr>
+        <a:xfrm>
+          <a:off x="0" y="0"/>
+          <a:ext cx="0" cy="0"/>
+          <a:chOff x="0" y="0"/>
+          <a:chExt cx="0" cy="0"/>
+        </a:xfrm>
+      </p:grpSpPr>
+      <p:sp>
+        <p:nvSpPr>
+          <p:cNvPr id="2" name="Заголовок 1"/>
+          <p:cNvSpPr>
+            <a:spLocks noGrp="1"/>
+          </p:cNvSpPr>
+          <p:nvPr>
+            <p:ph type="ctrTitle"/>
+          </p:nvPr>
+        </p:nvSpPr>
+        <p:spPr>
+          <a:xfrm>
+            <a:off x="251520" y="188641"/>
+            <a:ext cx="8784976" cy="864096"/>
+          </a:xfrm>
+        </p:spPr>
+        <p:txBody>
+          <a:bodyPr>
+            <a:noAutofit/>
+          </a:bodyPr>
+          <a:lstStyle/>
+          <a:p>
+            <a:r>
+              <a:rPr lang="en-US" sz="2800" i="1" dirty="0" smtClean="0">
+                <a:solidFill>
+                  <a:prstClr val="black"/>
+                </a:solidFill>
+                <a:latin typeface="ISOCPEUR" pitchFamily="34" charset="0"/>
+              </a:rPr>
+              <a:t>C</a:t>
+            </a:r>
+            <a:r>
+              <a:rPr lang="ru-RU" sz="2800" i="1" dirty="0" smtClean="0">
+                <a:solidFill>
+                  <a:prstClr val="black"/>
+                </a:solidFill>
+                <a:latin typeface="ISOCPEUR" pitchFamily="34" charset="0"/>
+              </a:rPr>
+              <a:t>правка о внедрении</a:t>
+            </a:r>
             <a:endParaRPr lang="ru-RU" sz="1575" i="1" dirty="0">
               <a:latin typeface="ISOCPEUR" pitchFamily="34" charset="0"/>
             </a:endParaRPr>
           </a:p>
         </p:txBody>
       </p:sp>
+      <p:pic>
+        <p:nvPicPr>
+          <p:cNvPr id="3" name="Рисунок 2"/>
+          <p:cNvPicPr>
+            <a:picLocks noChangeAspect="1"/>
+          </p:cNvPicPr>
+          <p:nvPr/>
+        </p:nvPicPr>
+        <p:blipFill>
+          <a:blip r:embed="rId2"/>
+          <a:stretch>
+            <a:fillRect/>
+          </a:stretch>
+        </p:blipFill>
+        <p:spPr>
+          <a:xfrm>
+            <a:off x="1729447" y="1340768"/>
+            <a:ext cx="5829122" cy="5009402"/>
+          </a:xfrm>
+          <a:prstGeom prst="rect">
+            <a:avLst/>
+          </a:prstGeom>
+        </p:spPr>
+      </p:pic>
     </p:spTree>
     <p:extLst>
       <p:ext uri="{BB962C8B-B14F-4D97-AF65-F5344CB8AC3E}">
@@ -14724,6 +14934,15 @@
                 <a:latin typeface="ISOCPEUR" pitchFamily="34" charset="0"/>
               </a:rPr>
             </a:br>
+            <a:r>
+              <a:rPr lang="en-US" sz="2800" dirty="0">
+                <a:solidFill>
+                  <a:prstClr val="black"/>
+                </a:solidFill>
+                <a:latin typeface="ISOCPEUR" pitchFamily="34" charset="0"/>
+              </a:rPr>
+              <a:t/>
+            </a:r>
             <a:br>
               <a:rPr lang="en-US" sz="2800" dirty="0">
                 <a:solidFill>
@@ -15004,6 +15223,15 @@
           <a:lstStyle/>
           <a:p>
             <a:pPr algn="l"/>
+            <a:r>
+              <a:rPr lang="en-US" sz="2800" dirty="0">
+                <a:solidFill>
+                  <a:prstClr val="black"/>
+                </a:solidFill>
+                <a:latin typeface="ISOCPEUR" pitchFamily="34" charset="0"/>
+              </a:rPr>
+              <a:t/>
+            </a:r>
             <a:br>
               <a:rPr lang="en-US" sz="2800" dirty="0">
                 <a:solidFill>
@@ -15012,6 +15240,15 @@
                 <a:latin typeface="ISOCPEUR" pitchFamily="34" charset="0"/>
               </a:rPr>
             </a:br>
+            <a:r>
+              <a:rPr lang="en-US" sz="2800" dirty="0">
+                <a:solidFill>
+                  <a:prstClr val="black"/>
+                </a:solidFill>
+                <a:latin typeface="ISOCPEUR" pitchFamily="34" charset="0"/>
+              </a:rPr>
+              <a:t/>
+            </a:r>
             <a:br>
               <a:rPr lang="en-US" sz="2800" dirty="0">
                 <a:solidFill>
@@ -15020,6 +15257,15 @@
                 <a:latin typeface="ISOCPEUR" pitchFamily="34" charset="0"/>
               </a:rPr>
             </a:br>
+            <a:r>
+              <a:rPr lang="en-US" sz="2800" dirty="0">
+                <a:solidFill>
+                  <a:prstClr val="black"/>
+                </a:solidFill>
+                <a:latin typeface="ISOCPEUR" pitchFamily="34" charset="0"/>
+              </a:rPr>
+              <a:t/>
+            </a:r>
             <a:br>
               <a:rPr lang="en-US" sz="2800" dirty="0">
                 <a:solidFill>
@@ -15028,6 +15274,15 @@
                 <a:latin typeface="ISOCPEUR" pitchFamily="34" charset="0"/>
               </a:rPr>
             </a:br>
+            <a:r>
+              <a:rPr lang="en-US" sz="2800" dirty="0">
+                <a:solidFill>
+                  <a:prstClr val="black"/>
+                </a:solidFill>
+                <a:latin typeface="ISOCPEUR" pitchFamily="34" charset="0"/>
+              </a:rPr>
+              <a:t/>
+            </a:r>
             <a:br>
               <a:rPr lang="en-US" sz="2800" dirty="0">
                 <a:solidFill>
@@ -15036,6 +15291,15 @@
                 <a:latin typeface="ISOCPEUR" pitchFamily="34" charset="0"/>
               </a:rPr>
             </a:br>
+            <a:r>
+              <a:rPr lang="en-US" sz="2800" dirty="0">
+                <a:solidFill>
+                  <a:prstClr val="black"/>
+                </a:solidFill>
+                <a:latin typeface="ISOCPEUR" pitchFamily="34" charset="0"/>
+              </a:rPr>
+              <a:t/>
+            </a:r>
             <a:br>
               <a:rPr lang="en-US" sz="2800" dirty="0">
                 <a:solidFill>
@@ -15044,6 +15308,15 @@
                 <a:latin typeface="ISOCPEUR" pitchFamily="34" charset="0"/>
               </a:rPr>
             </a:br>
+            <a:r>
+              <a:rPr lang="ru-RU" sz="2000" u="sng" dirty="0">
+                <a:solidFill>
+                  <a:prstClr val="black"/>
+                </a:solidFill>
+                <a:latin typeface="ISOCPEUR" pitchFamily="34" charset="0"/>
+              </a:rPr>
+              <a:t/>
+            </a:r>
             <a:br>
               <a:rPr lang="ru-RU" sz="2000" u="sng" dirty="0">
                 <a:solidFill>
@@ -15052,6 +15325,15 @@
                 <a:latin typeface="ISOCPEUR" pitchFamily="34" charset="0"/>
               </a:rPr>
             </a:br>
+            <a:r>
+              <a:rPr lang="ru-RU" sz="2800" dirty="0">
+                <a:solidFill>
+                  <a:prstClr val="black"/>
+                </a:solidFill>
+                <a:latin typeface="ISOCPEUR" pitchFamily="34" charset="0"/>
+              </a:rPr>
+              <a:t/>
+            </a:r>
             <a:br>
               <a:rPr lang="ru-RU" sz="2800" dirty="0">
                 <a:solidFill>
@@ -15068,6 +15350,15 @@
                 <a:latin typeface="ISOCPEUR" pitchFamily="34" charset="0"/>
               </a:rPr>
               <a:t>Поставленные задачи на дипломное проектирование:</a:t>
+            </a:r>
+            <a:r>
+              <a:rPr lang="ru-RU" sz="2800" dirty="0">
+                <a:solidFill>
+                  <a:prstClr val="black"/>
+                </a:solidFill>
+                <a:latin typeface="ISOCPEUR" pitchFamily="34" charset="0"/>
+              </a:rPr>
+              <a:t/>
             </a:r>
             <a:br>
               <a:rPr lang="ru-RU" sz="2800" dirty="0">
@@ -15097,6 +15388,15 @@
                 <a:latin typeface="ISOCPEUR" panose="020B0604020202020204" pitchFamily="34" charset="0"/>
               </a:rPr>
             </a:br>
+            <a:r>
+              <a:rPr lang="ru-RU" sz="2800" dirty="0">
+                <a:solidFill>
+                  <a:prstClr val="black"/>
+                </a:solidFill>
+                <a:latin typeface="ISOCPEUR" pitchFamily="34" charset="0"/>
+              </a:rPr>
+              <a:t/>
+            </a:r>
             <a:br>
               <a:rPr lang="ru-RU" sz="2800" dirty="0">
                 <a:solidFill>
@@ -15153,12 +15453,27 @@
                 <a:latin typeface="ISOCPEUR" panose="020B0604020202020204" pitchFamily="34" charset="0"/>
               </a:rPr>
               <a:t>Visual Studio Code</a:t>
+            </a:r>
+            <a:r>
+              <a:rPr lang="ru-RU" sz="2800" dirty="0">
+                <a:latin typeface="ISOCPEUR" panose="020B0604020202020204" pitchFamily="34" charset="0"/>
+              </a:rPr>
+              <a:t/>
             </a:r>
             <a:br>
               <a:rPr lang="ru-RU" sz="2800" dirty="0">
                 <a:latin typeface="ISOCPEUR" panose="020B0604020202020204" pitchFamily="34" charset="0"/>
               </a:rPr>
             </a:br>
+            <a:r>
+              <a:rPr lang="ru-RU" sz="2800" dirty="0">
+                <a:solidFill>
+                  <a:prstClr val="black"/>
+                </a:solidFill>
+                <a:latin typeface="ISOCPEUR" pitchFamily="34" charset="0"/>
+              </a:rPr>
+              <a:t/>
+            </a:r>
             <a:br>
               <a:rPr lang="ru-RU" sz="2800" dirty="0">
                 <a:solidFill>
@@ -15202,9 +15517,22 @@
               </a:rPr>
               <a:t>-тестирование программного комплекса.</a:t>
             </a:r>
+            <a:r>
+              <a:rPr lang="ru-RU" sz="2800" dirty="0"/>
+              <a:t/>
+            </a:r>
             <a:br>
               <a:rPr lang="ru-RU" sz="2800" dirty="0"/>
             </a:br>
+            <a:r>
+              <a:rPr lang="en-US" sz="2800" dirty="0">
+                <a:solidFill>
+                  <a:prstClr val="black"/>
+                </a:solidFill>
+                <a:latin typeface="ISOCPEUR" pitchFamily="34" charset="0"/>
+              </a:rPr>
+              <a:t/>
+            </a:r>
             <a:br>
               <a:rPr lang="en-US" sz="2800" dirty="0">
                 <a:solidFill>
@@ -15213,6 +15541,12 @@
                 <a:latin typeface="ISOCPEUR" pitchFamily="34" charset="0"/>
               </a:rPr>
             </a:br>
+            <a:r>
+              <a:rPr lang="ru-RU" sz="2000" dirty="0">
+                <a:latin typeface="ISOCPEUR" panose="020B0604020202020204" pitchFamily="34" charset="0"/>
+              </a:rPr>
+              <a:t/>
+            </a:r>
             <a:br>
               <a:rPr lang="ru-RU" sz="2000" dirty="0">
                 <a:latin typeface="ISOCPEUR" panose="020B0604020202020204" pitchFamily="34" charset="0"/>
@@ -15405,6 +15739,12 @@
           </a:bodyPr>
           <a:lstStyle/>
           <a:p>
+            <a:r>
+              <a:rPr lang="ru-RU" sz="2800" i="1" dirty="0">
+                <a:latin typeface="ISOCPEUR" pitchFamily="34" charset="0"/>
+              </a:rPr>
+              <a:t/>
+            </a:r>
             <a:br>
               <a:rPr lang="ru-RU" sz="2800" i="1" dirty="0">
                 <a:latin typeface="ISOCPEUR" pitchFamily="34" charset="0"/>
